--- a/惟獨敬虔.pptx
+++ b/惟獨敬虔.pptx
@@ -2,18 +2,22 @@
 <file path=ppt/presentation.xml><?xml version="1.0" encoding="utf-8"?>
 <p:presentation xmlns:a="http://schemas.openxmlformats.org/drawingml/2006/main" xmlns:r="http://schemas.openxmlformats.org/officeDocument/2006/relationships" xmlns:p="http://schemas.openxmlformats.org/presentationml/2006/main" saveSubsetFonts="1">
   <p:sldMasterIdLst>
-    <p:sldMasterId id="2147483648" r:id="rId1"/>
+    <p:sldMasterId id="2147483660" r:id="rId1"/>
   </p:sldMasterIdLst>
   <p:sldIdLst>
     <p:sldId id="257" r:id="rId2"/>
     <p:sldId id="258" r:id="rId3"/>
     <p:sldId id="259" r:id="rId4"/>
+    <p:sldId id="260" r:id="rId5"/>
+    <p:sldId id="261" r:id="rId6"/>
+    <p:sldId id="262" r:id="rId7"/>
+    <p:sldId id="263" r:id="rId8"/>
   </p:sldIdLst>
-  <p:sldSz cx="9144000" cy="6858000" type="screen4x3"/>
+  <p:sldSz cx="12192000" cy="6858000"/>
   <p:notesSz cx="6858000" cy="9144000"/>
   <p:defaultTextStyle>
     <a:defPPr>
-      <a:defRPr lang="zh-TW"/>
+      <a:defRPr lang="vi-VN"/>
     </a:defPPr>
     <a:lvl1pPr marL="0" algn="l" defTabSz="914400" rtl="0" eaLnBrk="1" latinLnBrk="0" hangingPunct="1">
       <a:defRPr sz="1800" kern="1200">
@@ -138,8 +142,8 @@
         </p:nvSpPr>
         <p:spPr>
           <a:xfrm>
-            <a:off x="685800" y="2130425"/>
-            <a:ext cx="7772400" cy="1470025"/>
+            <a:off x="914400" y="2130426"/>
+            <a:ext cx="10363200" cy="1470025"/>
           </a:xfrm>
         </p:spPr>
         <p:txBody>
@@ -147,8 +151,8 @@
           <a:lstStyle/>
           <a:p>
             <a:r>
-              <a:rPr lang="zh-TW" altLang="en-US" smtClean="0"/>
-              <a:t>按一下以編輯母片標題樣式</a:t>
+              <a:rPr lang="en-US" altLang="zh-TW" smtClean="0"/>
+              <a:t>Click to edit Master title style</a:t>
             </a:r>
             <a:endParaRPr lang="zh-TW" altLang="en-US"/>
           </a:p>
@@ -166,8 +170,8 @@
         </p:nvSpPr>
         <p:spPr>
           <a:xfrm>
-            <a:off x="1371600" y="3886200"/>
-            <a:ext cx="6400800" cy="1752600"/>
+            <a:off x="1828800" y="3886200"/>
+            <a:ext cx="8534400" cy="1752600"/>
           </a:xfrm>
         </p:spPr>
         <p:txBody>
@@ -183,7 +187,7 @@
                 </a:solidFill>
               </a:defRPr>
             </a:lvl1pPr>
-            <a:lvl2pPr marL="457200" indent="0" algn="ctr">
+            <a:lvl2pPr marL="609585" indent="0" algn="ctr">
               <a:buNone/>
               <a:defRPr>
                 <a:solidFill>
@@ -193,7 +197,7 @@
                 </a:solidFill>
               </a:defRPr>
             </a:lvl2pPr>
-            <a:lvl3pPr marL="914400" indent="0" algn="ctr">
+            <a:lvl3pPr marL="1219170" indent="0" algn="ctr">
               <a:buNone/>
               <a:defRPr>
                 <a:solidFill>
@@ -203,7 +207,7 @@
                 </a:solidFill>
               </a:defRPr>
             </a:lvl3pPr>
-            <a:lvl4pPr marL="1371600" indent="0" algn="ctr">
+            <a:lvl4pPr marL="1828754" indent="0" algn="ctr">
               <a:buNone/>
               <a:defRPr>
                 <a:solidFill>
@@ -213,7 +217,7 @@
                 </a:solidFill>
               </a:defRPr>
             </a:lvl4pPr>
-            <a:lvl5pPr marL="1828800" indent="0" algn="ctr">
+            <a:lvl5pPr marL="2438339" indent="0" algn="ctr">
               <a:buNone/>
               <a:defRPr>
                 <a:solidFill>
@@ -223,7 +227,7 @@
                 </a:solidFill>
               </a:defRPr>
             </a:lvl5pPr>
-            <a:lvl6pPr marL="2286000" indent="0" algn="ctr">
+            <a:lvl6pPr marL="3047924" indent="0" algn="ctr">
               <a:buNone/>
               <a:defRPr>
                 <a:solidFill>
@@ -233,7 +237,7 @@
                 </a:solidFill>
               </a:defRPr>
             </a:lvl6pPr>
-            <a:lvl7pPr marL="2743200" indent="0" algn="ctr">
+            <a:lvl7pPr marL="3657509" indent="0" algn="ctr">
               <a:buNone/>
               <a:defRPr>
                 <a:solidFill>
@@ -243,7 +247,7 @@
                 </a:solidFill>
               </a:defRPr>
             </a:lvl7pPr>
-            <a:lvl8pPr marL="3200400" indent="0" algn="ctr">
+            <a:lvl8pPr marL="4267093" indent="0" algn="ctr">
               <a:buNone/>
               <a:defRPr>
                 <a:solidFill>
@@ -253,7 +257,7 @@
                 </a:solidFill>
               </a:defRPr>
             </a:lvl8pPr>
-            <a:lvl9pPr marL="3657600" indent="0" algn="ctr">
+            <a:lvl9pPr marL="4876678" indent="0" algn="ctr">
               <a:buNone/>
               <a:defRPr>
                 <a:solidFill>
@@ -266,8 +270,8 @@
           </a:lstStyle>
           <a:p>
             <a:r>
-              <a:rPr lang="zh-TW" altLang="en-US" smtClean="0"/>
-              <a:t>按一下以編輯母片副標題樣式</a:t>
+              <a:rPr lang="en-US" altLang="zh-TW" smtClean="0"/>
+              <a:t>Click to edit Master subtitle style</a:t>
             </a:r>
             <a:endParaRPr lang="zh-TW" altLang="en-US"/>
           </a:p>
@@ -288,11 +292,11 @@
           <a:bodyPr/>
           <a:lstStyle/>
           <a:p>
-            <a:fld id="{7C2AAAD3-CA26-4605-938C-D00D2F376A90}" type="datetimeFigureOut">
-              <a:rPr lang="zh-TW" altLang="en-US" smtClean="0"/>
-              <a:t>2017/12/31</a:t>
+            <a:fld id="{74EF539A-6014-4678-8E5B-5F7860BA57B7}" type="datetimeFigureOut">
+              <a:rPr lang="vi-VN" smtClean="0"/>
+              <a:t>29/01/2022</a:t>
             </a:fld>
-            <a:endParaRPr lang="zh-TW" altLang="en-US"/>
+            <a:endParaRPr lang="vi-VN"/>
           </a:p>
         </p:txBody>
       </p:sp>
@@ -311,7 +315,7 @@
           <a:bodyPr/>
           <a:lstStyle/>
           <a:p>
-            <a:endParaRPr lang="zh-TW" altLang="en-US"/>
+            <a:endParaRPr lang="vi-VN"/>
           </a:p>
         </p:txBody>
       </p:sp>
@@ -330,15 +334,20 @@
           <a:bodyPr/>
           <a:lstStyle/>
           <a:p>
-            <a:fld id="{CB6E006D-49D5-42BA-B49B-A912364DA1CB}" type="slidenum">
-              <a:rPr lang="zh-TW" altLang="en-US" smtClean="0"/>
+            <a:fld id="{4F6A784A-B191-4FC6-A7F0-70E81BA5EBAB}" type="slidenum">
+              <a:rPr lang="vi-VN" smtClean="0"/>
               <a:t>‹#›</a:t>
             </a:fld>
-            <a:endParaRPr lang="zh-TW" altLang="en-US"/>
+            <a:endParaRPr lang="vi-VN"/>
           </a:p>
         </p:txBody>
       </p:sp>
     </p:spTree>
+    <p:extLst>
+      <p:ext uri="{BB962C8B-B14F-4D97-AF65-F5344CB8AC3E}">
+        <p14:creationId xmlns:p14="http://schemas.microsoft.com/office/powerpoint/2010/main" val="370233480"/>
+      </p:ext>
+    </p:extLst>
   </p:cSld>
   <p:clrMapOvr>
     <a:masterClrMapping/>
@@ -379,8 +388,8 @@
           <a:lstStyle/>
           <a:p>
             <a:r>
-              <a:rPr lang="zh-TW" altLang="en-US" smtClean="0"/>
-              <a:t>按一下以編輯母片標題樣式</a:t>
+              <a:rPr lang="en-US" altLang="zh-TW" smtClean="0"/>
+              <a:t>Click to edit Master title style</a:t>
             </a:r>
             <a:endParaRPr lang="zh-TW" altLang="en-US"/>
           </a:p>
@@ -403,36 +412,36 @@
           <a:p>
             <a:pPr lvl="0"/>
             <a:r>
-              <a:rPr lang="zh-TW" altLang="en-US" smtClean="0"/>
-              <a:t>按一下以編輯母片文字樣式</a:t>
+              <a:rPr lang="en-US" altLang="zh-TW" smtClean="0"/>
+              <a:t>Edit Master text styles</a:t>
             </a:r>
           </a:p>
           <a:p>
             <a:pPr lvl="1"/>
             <a:r>
-              <a:rPr lang="zh-TW" altLang="en-US" smtClean="0"/>
-              <a:t>第二層</a:t>
+              <a:rPr lang="en-US" altLang="zh-TW" smtClean="0"/>
+              <a:t>Second level</a:t>
             </a:r>
           </a:p>
           <a:p>
             <a:pPr lvl="2"/>
             <a:r>
-              <a:rPr lang="zh-TW" altLang="en-US" smtClean="0"/>
-              <a:t>第三層</a:t>
+              <a:rPr lang="en-US" altLang="zh-TW" smtClean="0"/>
+              <a:t>Third level</a:t>
             </a:r>
           </a:p>
           <a:p>
             <a:pPr lvl="3"/>
             <a:r>
-              <a:rPr lang="zh-TW" altLang="en-US" smtClean="0"/>
-              <a:t>第四層</a:t>
+              <a:rPr lang="en-US" altLang="zh-TW" smtClean="0"/>
+              <a:t>Fourth level</a:t>
             </a:r>
           </a:p>
           <a:p>
             <a:pPr lvl="4"/>
             <a:r>
-              <a:rPr lang="zh-TW" altLang="en-US" smtClean="0"/>
-              <a:t>第五層</a:t>
+              <a:rPr lang="en-US" altLang="zh-TW" smtClean="0"/>
+              <a:t>Fifth level</a:t>
             </a:r>
             <a:endParaRPr lang="zh-TW" altLang="en-US"/>
           </a:p>
@@ -453,11 +462,11 @@
           <a:bodyPr/>
           <a:lstStyle/>
           <a:p>
-            <a:fld id="{7C2AAAD3-CA26-4605-938C-D00D2F376A90}" type="datetimeFigureOut">
-              <a:rPr lang="zh-TW" altLang="en-US" smtClean="0"/>
-              <a:t>2017/12/31</a:t>
+            <a:fld id="{74EF539A-6014-4678-8E5B-5F7860BA57B7}" type="datetimeFigureOut">
+              <a:rPr lang="vi-VN" smtClean="0"/>
+              <a:t>29/01/2022</a:t>
             </a:fld>
-            <a:endParaRPr lang="zh-TW" altLang="en-US"/>
+            <a:endParaRPr lang="vi-VN"/>
           </a:p>
         </p:txBody>
       </p:sp>
@@ -476,7 +485,7 @@
           <a:bodyPr/>
           <a:lstStyle/>
           <a:p>
-            <a:endParaRPr lang="zh-TW" altLang="en-US"/>
+            <a:endParaRPr lang="vi-VN"/>
           </a:p>
         </p:txBody>
       </p:sp>
@@ -495,15 +504,20 @@
           <a:bodyPr/>
           <a:lstStyle/>
           <a:p>
-            <a:fld id="{CB6E006D-49D5-42BA-B49B-A912364DA1CB}" type="slidenum">
-              <a:rPr lang="zh-TW" altLang="en-US" smtClean="0"/>
+            <a:fld id="{4F6A784A-B191-4FC6-A7F0-70E81BA5EBAB}" type="slidenum">
+              <a:rPr lang="vi-VN" smtClean="0"/>
               <a:t>‹#›</a:t>
             </a:fld>
-            <a:endParaRPr lang="zh-TW" altLang="en-US"/>
+            <a:endParaRPr lang="vi-VN"/>
           </a:p>
         </p:txBody>
       </p:sp>
     </p:spTree>
+    <p:extLst>
+      <p:ext uri="{BB962C8B-B14F-4D97-AF65-F5344CB8AC3E}">
+        <p14:creationId xmlns:p14="http://schemas.microsoft.com/office/powerpoint/2010/main" val="2408857525"/>
+      </p:ext>
+    </p:extLst>
   </p:cSld>
   <p:clrMapOvr>
     <a:masterClrMapping/>
@@ -540,8 +554,8 @@
         </p:nvSpPr>
         <p:spPr>
           <a:xfrm>
-            <a:off x="6629400" y="274638"/>
-            <a:ext cx="2057400" cy="5851525"/>
+            <a:off x="8839200" y="274639"/>
+            <a:ext cx="2743200" cy="5851525"/>
           </a:xfrm>
         </p:spPr>
         <p:txBody>
@@ -549,8 +563,8 @@
           <a:lstStyle/>
           <a:p>
             <a:r>
-              <a:rPr lang="zh-TW" altLang="en-US" smtClean="0"/>
-              <a:t>按一下以編輯母片標題樣式</a:t>
+              <a:rPr lang="en-US" altLang="zh-TW" smtClean="0"/>
+              <a:t>Click to edit Master title style</a:t>
             </a:r>
             <a:endParaRPr lang="zh-TW" altLang="en-US"/>
           </a:p>
@@ -568,8 +582,8 @@
         </p:nvSpPr>
         <p:spPr>
           <a:xfrm>
-            <a:off x="457200" y="274638"/>
-            <a:ext cx="6019800" cy="5851525"/>
+            <a:off x="609600" y="274639"/>
+            <a:ext cx="8026400" cy="5851525"/>
           </a:xfrm>
         </p:spPr>
         <p:txBody>
@@ -578,36 +592,36 @@
           <a:p>
             <a:pPr lvl="0"/>
             <a:r>
-              <a:rPr lang="zh-TW" altLang="en-US" smtClean="0"/>
-              <a:t>按一下以編輯母片文字樣式</a:t>
+              <a:rPr lang="en-US" altLang="zh-TW" smtClean="0"/>
+              <a:t>Edit Master text styles</a:t>
             </a:r>
           </a:p>
           <a:p>
             <a:pPr lvl="1"/>
             <a:r>
-              <a:rPr lang="zh-TW" altLang="en-US" smtClean="0"/>
-              <a:t>第二層</a:t>
+              <a:rPr lang="en-US" altLang="zh-TW" smtClean="0"/>
+              <a:t>Second level</a:t>
             </a:r>
           </a:p>
           <a:p>
             <a:pPr lvl="2"/>
             <a:r>
-              <a:rPr lang="zh-TW" altLang="en-US" smtClean="0"/>
-              <a:t>第三層</a:t>
+              <a:rPr lang="en-US" altLang="zh-TW" smtClean="0"/>
+              <a:t>Third level</a:t>
             </a:r>
           </a:p>
           <a:p>
             <a:pPr lvl="3"/>
             <a:r>
-              <a:rPr lang="zh-TW" altLang="en-US" smtClean="0"/>
-              <a:t>第四層</a:t>
+              <a:rPr lang="en-US" altLang="zh-TW" smtClean="0"/>
+              <a:t>Fourth level</a:t>
             </a:r>
           </a:p>
           <a:p>
             <a:pPr lvl="4"/>
             <a:r>
-              <a:rPr lang="zh-TW" altLang="en-US" smtClean="0"/>
-              <a:t>第五層</a:t>
+              <a:rPr lang="en-US" altLang="zh-TW" smtClean="0"/>
+              <a:t>Fifth level</a:t>
             </a:r>
             <a:endParaRPr lang="zh-TW" altLang="en-US"/>
           </a:p>
@@ -628,11 +642,11 @@
           <a:bodyPr/>
           <a:lstStyle/>
           <a:p>
-            <a:fld id="{7C2AAAD3-CA26-4605-938C-D00D2F376A90}" type="datetimeFigureOut">
-              <a:rPr lang="zh-TW" altLang="en-US" smtClean="0"/>
-              <a:t>2017/12/31</a:t>
+            <a:fld id="{74EF539A-6014-4678-8E5B-5F7860BA57B7}" type="datetimeFigureOut">
+              <a:rPr lang="vi-VN" smtClean="0"/>
+              <a:t>29/01/2022</a:t>
             </a:fld>
-            <a:endParaRPr lang="zh-TW" altLang="en-US"/>
+            <a:endParaRPr lang="vi-VN"/>
           </a:p>
         </p:txBody>
       </p:sp>
@@ -651,7 +665,7 @@
           <a:bodyPr/>
           <a:lstStyle/>
           <a:p>
-            <a:endParaRPr lang="zh-TW" altLang="en-US"/>
+            <a:endParaRPr lang="vi-VN"/>
           </a:p>
         </p:txBody>
       </p:sp>
@@ -670,15 +684,20 @@
           <a:bodyPr/>
           <a:lstStyle/>
           <a:p>
-            <a:fld id="{CB6E006D-49D5-42BA-B49B-A912364DA1CB}" type="slidenum">
-              <a:rPr lang="zh-TW" altLang="en-US" smtClean="0"/>
+            <a:fld id="{4F6A784A-B191-4FC6-A7F0-70E81BA5EBAB}" type="slidenum">
+              <a:rPr lang="vi-VN" smtClean="0"/>
               <a:t>‹#›</a:t>
             </a:fld>
-            <a:endParaRPr lang="zh-TW" altLang="en-US"/>
+            <a:endParaRPr lang="vi-VN"/>
           </a:p>
         </p:txBody>
       </p:sp>
     </p:spTree>
+    <p:extLst>
+      <p:ext uri="{BB962C8B-B14F-4D97-AF65-F5344CB8AC3E}">
+        <p14:creationId xmlns:p14="http://schemas.microsoft.com/office/powerpoint/2010/main" val="3489676895"/>
+      </p:ext>
+    </p:extLst>
   </p:cSld>
   <p:clrMapOvr>
     <a:masterClrMapping/>
@@ -719,8 +738,8 @@
           <a:lstStyle/>
           <a:p>
             <a:r>
-              <a:rPr lang="zh-TW" altLang="en-US" smtClean="0"/>
-              <a:t>按一下以編輯母片標題樣式</a:t>
+              <a:rPr lang="en-US" altLang="zh-TW" smtClean="0"/>
+              <a:t>Click to edit Master title style</a:t>
             </a:r>
             <a:endParaRPr lang="zh-TW" altLang="en-US"/>
           </a:p>
@@ -743,36 +762,36 @@
           <a:p>
             <a:pPr lvl="0"/>
             <a:r>
-              <a:rPr lang="zh-TW" altLang="en-US" smtClean="0"/>
-              <a:t>按一下以編輯母片文字樣式</a:t>
+              <a:rPr lang="en-US" altLang="zh-TW" smtClean="0"/>
+              <a:t>Edit Master text styles</a:t>
             </a:r>
           </a:p>
           <a:p>
             <a:pPr lvl="1"/>
             <a:r>
-              <a:rPr lang="zh-TW" altLang="en-US" smtClean="0"/>
-              <a:t>第二層</a:t>
+              <a:rPr lang="en-US" altLang="zh-TW" smtClean="0"/>
+              <a:t>Second level</a:t>
             </a:r>
           </a:p>
           <a:p>
             <a:pPr lvl="2"/>
             <a:r>
-              <a:rPr lang="zh-TW" altLang="en-US" smtClean="0"/>
-              <a:t>第三層</a:t>
+              <a:rPr lang="en-US" altLang="zh-TW" smtClean="0"/>
+              <a:t>Third level</a:t>
             </a:r>
           </a:p>
           <a:p>
             <a:pPr lvl="3"/>
             <a:r>
-              <a:rPr lang="zh-TW" altLang="en-US" smtClean="0"/>
-              <a:t>第四層</a:t>
+              <a:rPr lang="en-US" altLang="zh-TW" smtClean="0"/>
+              <a:t>Fourth level</a:t>
             </a:r>
           </a:p>
           <a:p>
             <a:pPr lvl="4"/>
             <a:r>
-              <a:rPr lang="zh-TW" altLang="en-US" smtClean="0"/>
-              <a:t>第五層</a:t>
+              <a:rPr lang="en-US" altLang="zh-TW" smtClean="0"/>
+              <a:t>Fifth level</a:t>
             </a:r>
             <a:endParaRPr lang="zh-TW" altLang="en-US"/>
           </a:p>
@@ -793,11 +812,11 @@
           <a:bodyPr/>
           <a:lstStyle/>
           <a:p>
-            <a:fld id="{7C2AAAD3-CA26-4605-938C-D00D2F376A90}" type="datetimeFigureOut">
-              <a:rPr lang="zh-TW" altLang="en-US" smtClean="0"/>
-              <a:t>2017/12/31</a:t>
+            <a:fld id="{74EF539A-6014-4678-8E5B-5F7860BA57B7}" type="datetimeFigureOut">
+              <a:rPr lang="vi-VN" smtClean="0"/>
+              <a:t>29/01/2022</a:t>
             </a:fld>
-            <a:endParaRPr lang="zh-TW" altLang="en-US"/>
+            <a:endParaRPr lang="vi-VN"/>
           </a:p>
         </p:txBody>
       </p:sp>
@@ -816,7 +835,7 @@
           <a:bodyPr/>
           <a:lstStyle/>
           <a:p>
-            <a:endParaRPr lang="zh-TW" altLang="en-US"/>
+            <a:endParaRPr lang="vi-VN"/>
           </a:p>
         </p:txBody>
       </p:sp>
@@ -835,15 +854,20 @@
           <a:bodyPr/>
           <a:lstStyle/>
           <a:p>
-            <a:fld id="{CB6E006D-49D5-42BA-B49B-A912364DA1CB}" type="slidenum">
-              <a:rPr lang="zh-TW" altLang="en-US" smtClean="0"/>
+            <a:fld id="{4F6A784A-B191-4FC6-A7F0-70E81BA5EBAB}" type="slidenum">
+              <a:rPr lang="vi-VN" smtClean="0"/>
               <a:t>‹#›</a:t>
             </a:fld>
-            <a:endParaRPr lang="zh-TW" altLang="en-US"/>
+            <a:endParaRPr lang="vi-VN"/>
           </a:p>
         </p:txBody>
       </p:sp>
     </p:spTree>
+    <p:extLst>
+      <p:ext uri="{BB962C8B-B14F-4D97-AF65-F5344CB8AC3E}">
+        <p14:creationId xmlns:p14="http://schemas.microsoft.com/office/powerpoint/2010/main" val="3933274509"/>
+      </p:ext>
+    </p:extLst>
   </p:cSld>
   <p:clrMapOvr>
     <a:masterClrMapping/>
@@ -880,21 +904,21 @@
         </p:nvSpPr>
         <p:spPr>
           <a:xfrm>
-            <a:off x="722313" y="4406900"/>
-            <a:ext cx="7772400" cy="1362075"/>
+            <a:off x="963084" y="4406901"/>
+            <a:ext cx="10363200" cy="1362075"/>
           </a:xfrm>
         </p:spPr>
         <p:txBody>
           <a:bodyPr anchor="t"/>
           <a:lstStyle>
             <a:lvl1pPr algn="l">
-              <a:defRPr sz="4000" b="1" cap="all"/>
+              <a:defRPr sz="5333" b="1" cap="all"/>
             </a:lvl1pPr>
           </a:lstStyle>
           <a:p>
             <a:r>
-              <a:rPr lang="zh-TW" altLang="en-US" smtClean="0"/>
-              <a:t>按一下以編輯母片標題樣式</a:t>
+              <a:rPr lang="en-US" altLang="zh-TW" smtClean="0"/>
+              <a:t>Click to edit Master title style</a:t>
             </a:r>
             <a:endParaRPr lang="zh-TW" altLang="en-US"/>
           </a:p>
@@ -912,8 +936,8 @@
         </p:nvSpPr>
         <p:spPr>
           <a:xfrm>
-            <a:off x="722313" y="2906713"/>
-            <a:ext cx="7772400" cy="1500187"/>
+            <a:off x="963084" y="2906713"/>
+            <a:ext cx="10363200" cy="1500187"/>
           </a:xfrm>
         </p:spPr>
         <p:txBody>
@@ -921,7 +945,7 @@
           <a:lstStyle>
             <a:lvl1pPr marL="0" indent="0">
               <a:buNone/>
-              <a:defRPr sz="2000">
+              <a:defRPr sz="2667">
                 <a:solidFill>
                   <a:schemeClr val="tx1">
                     <a:tint val="75000"/>
@@ -929,9 +953,9 @@
                 </a:solidFill>
               </a:defRPr>
             </a:lvl1pPr>
-            <a:lvl2pPr marL="457200" indent="0">
-              <a:buNone/>
-              <a:defRPr sz="1800">
+            <a:lvl2pPr marL="609585" indent="0">
+              <a:buNone/>
+              <a:defRPr sz="2400">
                 <a:solidFill>
                   <a:schemeClr val="tx1">
                     <a:tint val="75000"/>
@@ -939,9 +963,9 @@
                 </a:solidFill>
               </a:defRPr>
             </a:lvl2pPr>
-            <a:lvl3pPr marL="914400" indent="0">
-              <a:buNone/>
-              <a:defRPr sz="1600">
+            <a:lvl3pPr marL="1219170" indent="0">
+              <a:buNone/>
+              <a:defRPr sz="2133">
                 <a:solidFill>
                   <a:schemeClr val="tx1">
                     <a:tint val="75000"/>
@@ -949,9 +973,9 @@
                 </a:solidFill>
               </a:defRPr>
             </a:lvl3pPr>
-            <a:lvl4pPr marL="1371600" indent="0">
-              <a:buNone/>
-              <a:defRPr sz="1400">
+            <a:lvl4pPr marL="1828754" indent="0">
+              <a:buNone/>
+              <a:defRPr sz="1867">
                 <a:solidFill>
                   <a:schemeClr val="tx1">
                     <a:tint val="75000"/>
@@ -959,9 +983,9 @@
                 </a:solidFill>
               </a:defRPr>
             </a:lvl4pPr>
-            <a:lvl5pPr marL="1828800" indent="0">
-              <a:buNone/>
-              <a:defRPr sz="1400">
+            <a:lvl5pPr marL="2438339" indent="0">
+              <a:buNone/>
+              <a:defRPr sz="1867">
                 <a:solidFill>
                   <a:schemeClr val="tx1">
                     <a:tint val="75000"/>
@@ -969,9 +993,9 @@
                 </a:solidFill>
               </a:defRPr>
             </a:lvl5pPr>
-            <a:lvl6pPr marL="2286000" indent="0">
-              <a:buNone/>
-              <a:defRPr sz="1400">
+            <a:lvl6pPr marL="3047924" indent="0">
+              <a:buNone/>
+              <a:defRPr sz="1867">
                 <a:solidFill>
                   <a:schemeClr val="tx1">
                     <a:tint val="75000"/>
@@ -979,9 +1003,9 @@
                 </a:solidFill>
               </a:defRPr>
             </a:lvl6pPr>
-            <a:lvl7pPr marL="2743200" indent="0">
-              <a:buNone/>
-              <a:defRPr sz="1400">
+            <a:lvl7pPr marL="3657509" indent="0">
+              <a:buNone/>
+              <a:defRPr sz="1867">
                 <a:solidFill>
                   <a:schemeClr val="tx1">
                     <a:tint val="75000"/>
@@ -989,9 +1013,9 @@
                 </a:solidFill>
               </a:defRPr>
             </a:lvl7pPr>
-            <a:lvl8pPr marL="3200400" indent="0">
-              <a:buNone/>
-              <a:defRPr sz="1400">
+            <a:lvl8pPr marL="4267093" indent="0">
+              <a:buNone/>
+              <a:defRPr sz="1867">
                 <a:solidFill>
                   <a:schemeClr val="tx1">
                     <a:tint val="75000"/>
@@ -999,9 +1023,9 @@
                 </a:solidFill>
               </a:defRPr>
             </a:lvl8pPr>
-            <a:lvl9pPr marL="3657600" indent="0">
-              <a:buNone/>
-              <a:defRPr sz="1400">
+            <a:lvl9pPr marL="4876678" indent="0">
+              <a:buNone/>
+              <a:defRPr sz="1867">
                 <a:solidFill>
                   <a:schemeClr val="tx1">
                     <a:tint val="75000"/>
@@ -1013,8 +1037,8 @@
           <a:p>
             <a:pPr lvl="0"/>
             <a:r>
-              <a:rPr lang="zh-TW" altLang="en-US" smtClean="0"/>
-              <a:t>按一下以編輯母片文字樣式</a:t>
+              <a:rPr lang="en-US" altLang="zh-TW" smtClean="0"/>
+              <a:t>Edit Master text styles</a:t>
             </a:r>
           </a:p>
         </p:txBody>
@@ -1034,11 +1058,11 @@
           <a:bodyPr/>
           <a:lstStyle/>
           <a:p>
-            <a:fld id="{7C2AAAD3-CA26-4605-938C-D00D2F376A90}" type="datetimeFigureOut">
-              <a:rPr lang="zh-TW" altLang="en-US" smtClean="0"/>
-              <a:t>2017/12/31</a:t>
+            <a:fld id="{74EF539A-6014-4678-8E5B-5F7860BA57B7}" type="datetimeFigureOut">
+              <a:rPr lang="vi-VN" smtClean="0"/>
+              <a:t>29/01/2022</a:t>
             </a:fld>
-            <a:endParaRPr lang="zh-TW" altLang="en-US"/>
+            <a:endParaRPr lang="vi-VN"/>
           </a:p>
         </p:txBody>
       </p:sp>
@@ -1057,7 +1081,7 @@
           <a:bodyPr/>
           <a:lstStyle/>
           <a:p>
-            <a:endParaRPr lang="zh-TW" altLang="en-US"/>
+            <a:endParaRPr lang="vi-VN"/>
           </a:p>
         </p:txBody>
       </p:sp>
@@ -1076,15 +1100,20 @@
           <a:bodyPr/>
           <a:lstStyle/>
           <a:p>
-            <a:fld id="{CB6E006D-49D5-42BA-B49B-A912364DA1CB}" type="slidenum">
-              <a:rPr lang="zh-TW" altLang="en-US" smtClean="0"/>
+            <a:fld id="{4F6A784A-B191-4FC6-A7F0-70E81BA5EBAB}" type="slidenum">
+              <a:rPr lang="vi-VN" smtClean="0"/>
               <a:t>‹#›</a:t>
             </a:fld>
-            <a:endParaRPr lang="zh-TW" altLang="en-US"/>
+            <a:endParaRPr lang="vi-VN"/>
           </a:p>
         </p:txBody>
       </p:sp>
     </p:spTree>
+    <p:extLst>
+      <p:ext uri="{BB962C8B-B14F-4D97-AF65-F5344CB8AC3E}">
+        <p14:creationId xmlns:p14="http://schemas.microsoft.com/office/powerpoint/2010/main" val="3443765792"/>
+      </p:ext>
+    </p:extLst>
   </p:cSld>
   <p:clrMapOvr>
     <a:masterClrMapping/>
@@ -1125,8 +1154,8 @@
           <a:lstStyle/>
           <a:p>
             <a:r>
-              <a:rPr lang="zh-TW" altLang="en-US" smtClean="0"/>
-              <a:t>按一下以編輯母片標題樣式</a:t>
+              <a:rPr lang="en-US" altLang="zh-TW" smtClean="0"/>
+              <a:t>Click to edit Master title style</a:t>
             </a:r>
             <a:endParaRPr lang="zh-TW" altLang="en-US"/>
           </a:p>
@@ -1144,74 +1173,74 @@
         </p:nvSpPr>
         <p:spPr>
           <a:xfrm>
-            <a:off x="457200" y="1600200"/>
-            <a:ext cx="4038600" cy="4525963"/>
+            <a:off x="609600" y="1600201"/>
+            <a:ext cx="5384800" cy="4525963"/>
           </a:xfrm>
         </p:spPr>
         <p:txBody>
           <a:bodyPr/>
           <a:lstStyle>
             <a:lvl1pPr>
-              <a:defRPr sz="2800"/>
+              <a:defRPr sz="3733"/>
             </a:lvl1pPr>
             <a:lvl2pPr>
-              <a:defRPr sz="2400"/>
+              <a:defRPr sz="3200"/>
             </a:lvl2pPr>
             <a:lvl3pPr>
-              <a:defRPr sz="2000"/>
+              <a:defRPr sz="2667"/>
             </a:lvl3pPr>
             <a:lvl4pPr>
-              <a:defRPr sz="1800"/>
+              <a:defRPr sz="2400"/>
             </a:lvl4pPr>
             <a:lvl5pPr>
-              <a:defRPr sz="1800"/>
+              <a:defRPr sz="2400"/>
             </a:lvl5pPr>
             <a:lvl6pPr>
-              <a:defRPr sz="1800"/>
+              <a:defRPr sz="2400"/>
             </a:lvl6pPr>
             <a:lvl7pPr>
-              <a:defRPr sz="1800"/>
+              <a:defRPr sz="2400"/>
             </a:lvl7pPr>
             <a:lvl8pPr>
-              <a:defRPr sz="1800"/>
+              <a:defRPr sz="2400"/>
             </a:lvl8pPr>
             <a:lvl9pPr>
-              <a:defRPr sz="1800"/>
+              <a:defRPr sz="2400"/>
             </a:lvl9pPr>
           </a:lstStyle>
           <a:p>
             <a:pPr lvl="0"/>
             <a:r>
-              <a:rPr lang="zh-TW" altLang="en-US" smtClean="0"/>
-              <a:t>按一下以編輯母片文字樣式</a:t>
+              <a:rPr lang="en-US" altLang="zh-TW" smtClean="0"/>
+              <a:t>Edit Master text styles</a:t>
             </a:r>
           </a:p>
           <a:p>
             <a:pPr lvl="1"/>
             <a:r>
-              <a:rPr lang="zh-TW" altLang="en-US" smtClean="0"/>
-              <a:t>第二層</a:t>
+              <a:rPr lang="en-US" altLang="zh-TW" smtClean="0"/>
+              <a:t>Second level</a:t>
             </a:r>
           </a:p>
           <a:p>
             <a:pPr lvl="2"/>
             <a:r>
-              <a:rPr lang="zh-TW" altLang="en-US" smtClean="0"/>
-              <a:t>第三層</a:t>
+              <a:rPr lang="en-US" altLang="zh-TW" smtClean="0"/>
+              <a:t>Third level</a:t>
             </a:r>
           </a:p>
           <a:p>
             <a:pPr lvl="3"/>
             <a:r>
-              <a:rPr lang="zh-TW" altLang="en-US" smtClean="0"/>
-              <a:t>第四層</a:t>
+              <a:rPr lang="en-US" altLang="zh-TW" smtClean="0"/>
+              <a:t>Fourth level</a:t>
             </a:r>
           </a:p>
           <a:p>
             <a:pPr lvl="4"/>
             <a:r>
-              <a:rPr lang="zh-TW" altLang="en-US" smtClean="0"/>
-              <a:t>第五層</a:t>
+              <a:rPr lang="en-US" altLang="zh-TW" smtClean="0"/>
+              <a:t>Fifth level</a:t>
             </a:r>
             <a:endParaRPr lang="zh-TW" altLang="en-US"/>
           </a:p>
@@ -1229,74 +1258,74 @@
         </p:nvSpPr>
         <p:spPr>
           <a:xfrm>
-            <a:off x="4648200" y="1600200"/>
-            <a:ext cx="4038600" cy="4525963"/>
+            <a:off x="6197600" y="1600201"/>
+            <a:ext cx="5384800" cy="4525963"/>
           </a:xfrm>
         </p:spPr>
         <p:txBody>
           <a:bodyPr/>
           <a:lstStyle>
             <a:lvl1pPr>
-              <a:defRPr sz="2800"/>
+              <a:defRPr sz="3733"/>
             </a:lvl1pPr>
             <a:lvl2pPr>
-              <a:defRPr sz="2400"/>
+              <a:defRPr sz="3200"/>
             </a:lvl2pPr>
             <a:lvl3pPr>
-              <a:defRPr sz="2000"/>
+              <a:defRPr sz="2667"/>
             </a:lvl3pPr>
             <a:lvl4pPr>
-              <a:defRPr sz="1800"/>
+              <a:defRPr sz="2400"/>
             </a:lvl4pPr>
             <a:lvl5pPr>
-              <a:defRPr sz="1800"/>
+              <a:defRPr sz="2400"/>
             </a:lvl5pPr>
             <a:lvl6pPr>
-              <a:defRPr sz="1800"/>
+              <a:defRPr sz="2400"/>
             </a:lvl6pPr>
             <a:lvl7pPr>
-              <a:defRPr sz="1800"/>
+              <a:defRPr sz="2400"/>
             </a:lvl7pPr>
             <a:lvl8pPr>
-              <a:defRPr sz="1800"/>
+              <a:defRPr sz="2400"/>
             </a:lvl8pPr>
             <a:lvl9pPr>
-              <a:defRPr sz="1800"/>
+              <a:defRPr sz="2400"/>
             </a:lvl9pPr>
           </a:lstStyle>
           <a:p>
             <a:pPr lvl="0"/>
             <a:r>
-              <a:rPr lang="zh-TW" altLang="en-US" smtClean="0"/>
-              <a:t>按一下以編輯母片文字樣式</a:t>
+              <a:rPr lang="en-US" altLang="zh-TW" smtClean="0"/>
+              <a:t>Edit Master text styles</a:t>
             </a:r>
           </a:p>
           <a:p>
             <a:pPr lvl="1"/>
             <a:r>
-              <a:rPr lang="zh-TW" altLang="en-US" smtClean="0"/>
-              <a:t>第二層</a:t>
+              <a:rPr lang="en-US" altLang="zh-TW" smtClean="0"/>
+              <a:t>Second level</a:t>
             </a:r>
           </a:p>
           <a:p>
             <a:pPr lvl="2"/>
             <a:r>
-              <a:rPr lang="zh-TW" altLang="en-US" smtClean="0"/>
-              <a:t>第三層</a:t>
+              <a:rPr lang="en-US" altLang="zh-TW" smtClean="0"/>
+              <a:t>Third level</a:t>
             </a:r>
           </a:p>
           <a:p>
             <a:pPr lvl="3"/>
             <a:r>
-              <a:rPr lang="zh-TW" altLang="en-US" smtClean="0"/>
-              <a:t>第四層</a:t>
+              <a:rPr lang="en-US" altLang="zh-TW" smtClean="0"/>
+              <a:t>Fourth level</a:t>
             </a:r>
           </a:p>
           <a:p>
             <a:pPr lvl="4"/>
             <a:r>
-              <a:rPr lang="zh-TW" altLang="en-US" smtClean="0"/>
-              <a:t>第五層</a:t>
+              <a:rPr lang="en-US" altLang="zh-TW" smtClean="0"/>
+              <a:t>Fifth level</a:t>
             </a:r>
             <a:endParaRPr lang="zh-TW" altLang="en-US"/>
           </a:p>
@@ -1317,11 +1346,11 @@
           <a:bodyPr/>
           <a:lstStyle/>
           <a:p>
-            <a:fld id="{7C2AAAD3-CA26-4605-938C-D00D2F376A90}" type="datetimeFigureOut">
-              <a:rPr lang="zh-TW" altLang="en-US" smtClean="0"/>
-              <a:t>2017/12/31</a:t>
+            <a:fld id="{74EF539A-6014-4678-8E5B-5F7860BA57B7}" type="datetimeFigureOut">
+              <a:rPr lang="vi-VN" smtClean="0"/>
+              <a:t>29/01/2022</a:t>
             </a:fld>
-            <a:endParaRPr lang="zh-TW" altLang="en-US"/>
+            <a:endParaRPr lang="vi-VN"/>
           </a:p>
         </p:txBody>
       </p:sp>
@@ -1340,7 +1369,7 @@
           <a:bodyPr/>
           <a:lstStyle/>
           <a:p>
-            <a:endParaRPr lang="zh-TW" altLang="en-US"/>
+            <a:endParaRPr lang="vi-VN"/>
           </a:p>
         </p:txBody>
       </p:sp>
@@ -1359,15 +1388,20 @@
           <a:bodyPr/>
           <a:lstStyle/>
           <a:p>
-            <a:fld id="{CB6E006D-49D5-42BA-B49B-A912364DA1CB}" type="slidenum">
-              <a:rPr lang="zh-TW" altLang="en-US" smtClean="0"/>
+            <a:fld id="{4F6A784A-B191-4FC6-A7F0-70E81BA5EBAB}" type="slidenum">
+              <a:rPr lang="vi-VN" smtClean="0"/>
               <a:t>‹#›</a:t>
             </a:fld>
-            <a:endParaRPr lang="zh-TW" altLang="en-US"/>
+            <a:endParaRPr lang="vi-VN"/>
           </a:p>
         </p:txBody>
       </p:sp>
     </p:spTree>
+    <p:extLst>
+      <p:ext uri="{BB962C8B-B14F-4D97-AF65-F5344CB8AC3E}">
+        <p14:creationId xmlns:p14="http://schemas.microsoft.com/office/powerpoint/2010/main" val="3043887960"/>
+      </p:ext>
+    </p:extLst>
   </p:cSld>
   <p:clrMapOvr>
     <a:masterClrMapping/>
@@ -1412,8 +1446,8 @@
           </a:lstStyle>
           <a:p>
             <a:r>
-              <a:rPr lang="zh-TW" altLang="en-US" smtClean="0"/>
-              <a:t>按一下以編輯母片標題樣式</a:t>
+              <a:rPr lang="en-US" altLang="zh-TW" smtClean="0"/>
+              <a:t>Click to edit Master title style</a:t>
             </a:r>
             <a:endParaRPr lang="zh-TW" altLang="en-US"/>
           </a:p>
@@ -1431,8 +1465,8 @@
         </p:nvSpPr>
         <p:spPr>
           <a:xfrm>
-            <a:off x="457200" y="1535113"/>
-            <a:ext cx="4040188" cy="639762"/>
+            <a:off x="609600" y="1535113"/>
+            <a:ext cx="5386917" cy="639763"/>
           </a:xfrm>
         </p:spPr>
         <p:txBody>
@@ -1440,46 +1474,46 @@
           <a:lstStyle>
             <a:lvl1pPr marL="0" indent="0">
               <a:buNone/>
+              <a:defRPr sz="3200" b="1"/>
+            </a:lvl1pPr>
+            <a:lvl2pPr marL="609585" indent="0">
+              <a:buNone/>
+              <a:defRPr sz="2667" b="1"/>
+            </a:lvl2pPr>
+            <a:lvl3pPr marL="1219170" indent="0">
+              <a:buNone/>
               <a:defRPr sz="2400" b="1"/>
-            </a:lvl1pPr>
-            <a:lvl2pPr marL="457200" indent="0">
-              <a:buNone/>
-              <a:defRPr sz="2000" b="1"/>
-            </a:lvl2pPr>
-            <a:lvl3pPr marL="914400" indent="0">
-              <a:buNone/>
-              <a:defRPr sz="1800" b="1"/>
             </a:lvl3pPr>
-            <a:lvl4pPr marL="1371600" indent="0">
-              <a:buNone/>
-              <a:defRPr sz="1600" b="1"/>
+            <a:lvl4pPr marL="1828754" indent="0">
+              <a:buNone/>
+              <a:defRPr sz="2133" b="1"/>
             </a:lvl4pPr>
-            <a:lvl5pPr marL="1828800" indent="0">
-              <a:buNone/>
-              <a:defRPr sz="1600" b="1"/>
+            <a:lvl5pPr marL="2438339" indent="0">
+              <a:buNone/>
+              <a:defRPr sz="2133" b="1"/>
             </a:lvl5pPr>
-            <a:lvl6pPr marL="2286000" indent="0">
-              <a:buNone/>
-              <a:defRPr sz="1600" b="1"/>
+            <a:lvl6pPr marL="3047924" indent="0">
+              <a:buNone/>
+              <a:defRPr sz="2133" b="1"/>
             </a:lvl6pPr>
-            <a:lvl7pPr marL="2743200" indent="0">
-              <a:buNone/>
-              <a:defRPr sz="1600" b="1"/>
+            <a:lvl7pPr marL="3657509" indent="0">
+              <a:buNone/>
+              <a:defRPr sz="2133" b="1"/>
             </a:lvl7pPr>
-            <a:lvl8pPr marL="3200400" indent="0">
-              <a:buNone/>
-              <a:defRPr sz="1600" b="1"/>
+            <a:lvl8pPr marL="4267093" indent="0">
+              <a:buNone/>
+              <a:defRPr sz="2133" b="1"/>
             </a:lvl8pPr>
-            <a:lvl9pPr marL="3657600" indent="0">
-              <a:buNone/>
-              <a:defRPr sz="1600" b="1"/>
+            <a:lvl9pPr marL="4876678" indent="0">
+              <a:buNone/>
+              <a:defRPr sz="2133" b="1"/>
             </a:lvl9pPr>
           </a:lstStyle>
           <a:p>
             <a:pPr lvl="0"/>
             <a:r>
-              <a:rPr lang="zh-TW" altLang="en-US" smtClean="0"/>
-              <a:t>按一下以編輯母片文字樣式</a:t>
+              <a:rPr lang="en-US" altLang="zh-TW" smtClean="0"/>
+              <a:t>Edit Master text styles</a:t>
             </a:r>
           </a:p>
         </p:txBody>
@@ -1496,74 +1530,74 @@
         </p:nvSpPr>
         <p:spPr>
           <a:xfrm>
-            <a:off x="457200" y="2174875"/>
-            <a:ext cx="4040188" cy="3951288"/>
+            <a:off x="609600" y="2174875"/>
+            <a:ext cx="5386917" cy="3951288"/>
           </a:xfrm>
         </p:spPr>
         <p:txBody>
           <a:bodyPr/>
           <a:lstStyle>
             <a:lvl1pPr>
-              <a:defRPr sz="2400"/>
+              <a:defRPr sz="3200"/>
             </a:lvl1pPr>
             <a:lvl2pPr>
-              <a:defRPr sz="2000"/>
+              <a:defRPr sz="2667"/>
             </a:lvl2pPr>
             <a:lvl3pPr>
-              <a:defRPr sz="1800"/>
+              <a:defRPr sz="2400"/>
             </a:lvl3pPr>
             <a:lvl4pPr>
-              <a:defRPr sz="1600"/>
+              <a:defRPr sz="2133"/>
             </a:lvl4pPr>
             <a:lvl5pPr>
-              <a:defRPr sz="1600"/>
+              <a:defRPr sz="2133"/>
             </a:lvl5pPr>
             <a:lvl6pPr>
-              <a:defRPr sz="1600"/>
+              <a:defRPr sz="2133"/>
             </a:lvl6pPr>
             <a:lvl7pPr>
-              <a:defRPr sz="1600"/>
+              <a:defRPr sz="2133"/>
             </a:lvl7pPr>
             <a:lvl8pPr>
-              <a:defRPr sz="1600"/>
+              <a:defRPr sz="2133"/>
             </a:lvl8pPr>
             <a:lvl9pPr>
-              <a:defRPr sz="1600"/>
+              <a:defRPr sz="2133"/>
             </a:lvl9pPr>
           </a:lstStyle>
           <a:p>
             <a:pPr lvl="0"/>
             <a:r>
-              <a:rPr lang="zh-TW" altLang="en-US" smtClean="0"/>
-              <a:t>按一下以編輯母片文字樣式</a:t>
+              <a:rPr lang="en-US" altLang="zh-TW" smtClean="0"/>
+              <a:t>Edit Master text styles</a:t>
             </a:r>
           </a:p>
           <a:p>
             <a:pPr lvl="1"/>
             <a:r>
-              <a:rPr lang="zh-TW" altLang="en-US" smtClean="0"/>
-              <a:t>第二層</a:t>
+              <a:rPr lang="en-US" altLang="zh-TW" smtClean="0"/>
+              <a:t>Second level</a:t>
             </a:r>
           </a:p>
           <a:p>
             <a:pPr lvl="2"/>
             <a:r>
-              <a:rPr lang="zh-TW" altLang="en-US" smtClean="0"/>
-              <a:t>第三層</a:t>
+              <a:rPr lang="en-US" altLang="zh-TW" smtClean="0"/>
+              <a:t>Third level</a:t>
             </a:r>
           </a:p>
           <a:p>
             <a:pPr lvl="3"/>
             <a:r>
-              <a:rPr lang="zh-TW" altLang="en-US" smtClean="0"/>
-              <a:t>第四層</a:t>
+              <a:rPr lang="en-US" altLang="zh-TW" smtClean="0"/>
+              <a:t>Fourth level</a:t>
             </a:r>
           </a:p>
           <a:p>
             <a:pPr lvl="4"/>
             <a:r>
-              <a:rPr lang="zh-TW" altLang="en-US" smtClean="0"/>
-              <a:t>第五層</a:t>
+              <a:rPr lang="en-US" altLang="zh-TW" smtClean="0"/>
+              <a:t>Fifth level</a:t>
             </a:r>
             <a:endParaRPr lang="zh-TW" altLang="en-US"/>
           </a:p>
@@ -1581,8 +1615,8 @@
         </p:nvSpPr>
         <p:spPr>
           <a:xfrm>
-            <a:off x="4645025" y="1535113"/>
-            <a:ext cx="4041775" cy="639762"/>
+            <a:off x="6193369" y="1535113"/>
+            <a:ext cx="5389033" cy="639763"/>
           </a:xfrm>
         </p:spPr>
         <p:txBody>
@@ -1590,46 +1624,46 @@
           <a:lstStyle>
             <a:lvl1pPr marL="0" indent="0">
               <a:buNone/>
+              <a:defRPr sz="3200" b="1"/>
+            </a:lvl1pPr>
+            <a:lvl2pPr marL="609585" indent="0">
+              <a:buNone/>
+              <a:defRPr sz="2667" b="1"/>
+            </a:lvl2pPr>
+            <a:lvl3pPr marL="1219170" indent="0">
+              <a:buNone/>
               <a:defRPr sz="2400" b="1"/>
-            </a:lvl1pPr>
-            <a:lvl2pPr marL="457200" indent="0">
-              <a:buNone/>
-              <a:defRPr sz="2000" b="1"/>
-            </a:lvl2pPr>
-            <a:lvl3pPr marL="914400" indent="0">
-              <a:buNone/>
-              <a:defRPr sz="1800" b="1"/>
             </a:lvl3pPr>
-            <a:lvl4pPr marL="1371600" indent="0">
-              <a:buNone/>
-              <a:defRPr sz="1600" b="1"/>
+            <a:lvl4pPr marL="1828754" indent="0">
+              <a:buNone/>
+              <a:defRPr sz="2133" b="1"/>
             </a:lvl4pPr>
-            <a:lvl5pPr marL="1828800" indent="0">
-              <a:buNone/>
-              <a:defRPr sz="1600" b="1"/>
+            <a:lvl5pPr marL="2438339" indent="0">
+              <a:buNone/>
+              <a:defRPr sz="2133" b="1"/>
             </a:lvl5pPr>
-            <a:lvl6pPr marL="2286000" indent="0">
-              <a:buNone/>
-              <a:defRPr sz="1600" b="1"/>
+            <a:lvl6pPr marL="3047924" indent="0">
+              <a:buNone/>
+              <a:defRPr sz="2133" b="1"/>
             </a:lvl6pPr>
-            <a:lvl7pPr marL="2743200" indent="0">
-              <a:buNone/>
-              <a:defRPr sz="1600" b="1"/>
+            <a:lvl7pPr marL="3657509" indent="0">
+              <a:buNone/>
+              <a:defRPr sz="2133" b="1"/>
             </a:lvl7pPr>
-            <a:lvl8pPr marL="3200400" indent="0">
-              <a:buNone/>
-              <a:defRPr sz="1600" b="1"/>
+            <a:lvl8pPr marL="4267093" indent="0">
+              <a:buNone/>
+              <a:defRPr sz="2133" b="1"/>
             </a:lvl8pPr>
-            <a:lvl9pPr marL="3657600" indent="0">
-              <a:buNone/>
-              <a:defRPr sz="1600" b="1"/>
+            <a:lvl9pPr marL="4876678" indent="0">
+              <a:buNone/>
+              <a:defRPr sz="2133" b="1"/>
             </a:lvl9pPr>
           </a:lstStyle>
           <a:p>
             <a:pPr lvl="0"/>
             <a:r>
-              <a:rPr lang="zh-TW" altLang="en-US" smtClean="0"/>
-              <a:t>按一下以編輯母片文字樣式</a:t>
+              <a:rPr lang="en-US" altLang="zh-TW" smtClean="0"/>
+              <a:t>Edit Master text styles</a:t>
             </a:r>
           </a:p>
         </p:txBody>
@@ -1646,74 +1680,74 @@
         </p:nvSpPr>
         <p:spPr>
           <a:xfrm>
-            <a:off x="4645025" y="2174875"/>
-            <a:ext cx="4041775" cy="3951288"/>
+            <a:off x="6193369" y="2174875"/>
+            <a:ext cx="5389033" cy="3951288"/>
           </a:xfrm>
         </p:spPr>
         <p:txBody>
           <a:bodyPr/>
           <a:lstStyle>
             <a:lvl1pPr>
-              <a:defRPr sz="2400"/>
+              <a:defRPr sz="3200"/>
             </a:lvl1pPr>
             <a:lvl2pPr>
-              <a:defRPr sz="2000"/>
+              <a:defRPr sz="2667"/>
             </a:lvl2pPr>
             <a:lvl3pPr>
-              <a:defRPr sz="1800"/>
+              <a:defRPr sz="2400"/>
             </a:lvl3pPr>
             <a:lvl4pPr>
-              <a:defRPr sz="1600"/>
+              <a:defRPr sz="2133"/>
             </a:lvl4pPr>
             <a:lvl5pPr>
-              <a:defRPr sz="1600"/>
+              <a:defRPr sz="2133"/>
             </a:lvl5pPr>
             <a:lvl6pPr>
-              <a:defRPr sz="1600"/>
+              <a:defRPr sz="2133"/>
             </a:lvl6pPr>
             <a:lvl7pPr>
-              <a:defRPr sz="1600"/>
+              <a:defRPr sz="2133"/>
             </a:lvl7pPr>
             <a:lvl8pPr>
-              <a:defRPr sz="1600"/>
+              <a:defRPr sz="2133"/>
             </a:lvl8pPr>
             <a:lvl9pPr>
-              <a:defRPr sz="1600"/>
+              <a:defRPr sz="2133"/>
             </a:lvl9pPr>
           </a:lstStyle>
           <a:p>
             <a:pPr lvl="0"/>
             <a:r>
-              <a:rPr lang="zh-TW" altLang="en-US" smtClean="0"/>
-              <a:t>按一下以編輯母片文字樣式</a:t>
+              <a:rPr lang="en-US" altLang="zh-TW" smtClean="0"/>
+              <a:t>Edit Master text styles</a:t>
             </a:r>
           </a:p>
           <a:p>
             <a:pPr lvl="1"/>
             <a:r>
-              <a:rPr lang="zh-TW" altLang="en-US" smtClean="0"/>
-              <a:t>第二層</a:t>
+              <a:rPr lang="en-US" altLang="zh-TW" smtClean="0"/>
+              <a:t>Second level</a:t>
             </a:r>
           </a:p>
           <a:p>
             <a:pPr lvl="2"/>
             <a:r>
-              <a:rPr lang="zh-TW" altLang="en-US" smtClean="0"/>
-              <a:t>第三層</a:t>
+              <a:rPr lang="en-US" altLang="zh-TW" smtClean="0"/>
+              <a:t>Third level</a:t>
             </a:r>
           </a:p>
           <a:p>
             <a:pPr lvl="3"/>
             <a:r>
-              <a:rPr lang="zh-TW" altLang="en-US" smtClean="0"/>
-              <a:t>第四層</a:t>
+              <a:rPr lang="en-US" altLang="zh-TW" smtClean="0"/>
+              <a:t>Fourth level</a:t>
             </a:r>
           </a:p>
           <a:p>
             <a:pPr lvl="4"/>
             <a:r>
-              <a:rPr lang="zh-TW" altLang="en-US" smtClean="0"/>
-              <a:t>第五層</a:t>
+              <a:rPr lang="en-US" altLang="zh-TW" smtClean="0"/>
+              <a:t>Fifth level</a:t>
             </a:r>
             <a:endParaRPr lang="zh-TW" altLang="en-US"/>
           </a:p>
@@ -1734,11 +1768,11 @@
           <a:bodyPr/>
           <a:lstStyle/>
           <a:p>
-            <a:fld id="{7C2AAAD3-CA26-4605-938C-D00D2F376A90}" type="datetimeFigureOut">
-              <a:rPr lang="zh-TW" altLang="en-US" smtClean="0"/>
-              <a:t>2017/12/31</a:t>
+            <a:fld id="{74EF539A-6014-4678-8E5B-5F7860BA57B7}" type="datetimeFigureOut">
+              <a:rPr lang="vi-VN" smtClean="0"/>
+              <a:t>29/01/2022</a:t>
             </a:fld>
-            <a:endParaRPr lang="zh-TW" altLang="en-US"/>
+            <a:endParaRPr lang="vi-VN"/>
           </a:p>
         </p:txBody>
       </p:sp>
@@ -1757,7 +1791,7 @@
           <a:bodyPr/>
           <a:lstStyle/>
           <a:p>
-            <a:endParaRPr lang="zh-TW" altLang="en-US"/>
+            <a:endParaRPr lang="vi-VN"/>
           </a:p>
         </p:txBody>
       </p:sp>
@@ -1776,15 +1810,20 @@
           <a:bodyPr/>
           <a:lstStyle/>
           <a:p>
-            <a:fld id="{CB6E006D-49D5-42BA-B49B-A912364DA1CB}" type="slidenum">
-              <a:rPr lang="zh-TW" altLang="en-US" smtClean="0"/>
+            <a:fld id="{4F6A784A-B191-4FC6-A7F0-70E81BA5EBAB}" type="slidenum">
+              <a:rPr lang="vi-VN" smtClean="0"/>
               <a:t>‹#›</a:t>
             </a:fld>
-            <a:endParaRPr lang="zh-TW" altLang="en-US"/>
+            <a:endParaRPr lang="vi-VN"/>
           </a:p>
         </p:txBody>
       </p:sp>
     </p:spTree>
+    <p:extLst>
+      <p:ext uri="{BB962C8B-B14F-4D97-AF65-F5344CB8AC3E}">
+        <p14:creationId xmlns:p14="http://schemas.microsoft.com/office/powerpoint/2010/main" val="998502564"/>
+      </p:ext>
+    </p:extLst>
   </p:cSld>
   <p:clrMapOvr>
     <a:masterClrMapping/>
@@ -1825,8 +1864,8 @@
           <a:lstStyle/>
           <a:p>
             <a:r>
-              <a:rPr lang="zh-TW" altLang="en-US" smtClean="0"/>
-              <a:t>按一下以編輯母片標題樣式</a:t>
+              <a:rPr lang="en-US" altLang="zh-TW" smtClean="0"/>
+              <a:t>Click to edit Master title style</a:t>
             </a:r>
             <a:endParaRPr lang="zh-TW" altLang="en-US"/>
           </a:p>
@@ -1847,11 +1886,11 @@
           <a:bodyPr/>
           <a:lstStyle/>
           <a:p>
-            <a:fld id="{7C2AAAD3-CA26-4605-938C-D00D2F376A90}" type="datetimeFigureOut">
-              <a:rPr lang="zh-TW" altLang="en-US" smtClean="0"/>
-              <a:t>2017/12/31</a:t>
+            <a:fld id="{74EF539A-6014-4678-8E5B-5F7860BA57B7}" type="datetimeFigureOut">
+              <a:rPr lang="vi-VN" smtClean="0"/>
+              <a:t>29/01/2022</a:t>
             </a:fld>
-            <a:endParaRPr lang="zh-TW" altLang="en-US"/>
+            <a:endParaRPr lang="vi-VN"/>
           </a:p>
         </p:txBody>
       </p:sp>
@@ -1870,7 +1909,7 @@
           <a:bodyPr/>
           <a:lstStyle/>
           <a:p>
-            <a:endParaRPr lang="zh-TW" altLang="en-US"/>
+            <a:endParaRPr lang="vi-VN"/>
           </a:p>
         </p:txBody>
       </p:sp>
@@ -1889,15 +1928,20 @@
           <a:bodyPr/>
           <a:lstStyle/>
           <a:p>
-            <a:fld id="{CB6E006D-49D5-42BA-B49B-A912364DA1CB}" type="slidenum">
-              <a:rPr lang="zh-TW" altLang="en-US" smtClean="0"/>
+            <a:fld id="{4F6A784A-B191-4FC6-A7F0-70E81BA5EBAB}" type="slidenum">
+              <a:rPr lang="vi-VN" smtClean="0"/>
               <a:t>‹#›</a:t>
             </a:fld>
-            <a:endParaRPr lang="zh-TW" altLang="en-US"/>
+            <a:endParaRPr lang="vi-VN"/>
           </a:p>
         </p:txBody>
       </p:sp>
     </p:spTree>
+    <p:extLst>
+      <p:ext uri="{BB962C8B-B14F-4D97-AF65-F5344CB8AC3E}">
+        <p14:creationId xmlns:p14="http://schemas.microsoft.com/office/powerpoint/2010/main" val="37805947"/>
+      </p:ext>
+    </p:extLst>
   </p:cSld>
   <p:clrMapOvr>
     <a:masterClrMapping/>
@@ -1937,11 +1981,11 @@
           <a:bodyPr/>
           <a:lstStyle/>
           <a:p>
-            <a:fld id="{7C2AAAD3-CA26-4605-938C-D00D2F376A90}" type="datetimeFigureOut">
-              <a:rPr lang="zh-TW" altLang="en-US" smtClean="0"/>
-              <a:t>2017/12/31</a:t>
+            <a:fld id="{74EF539A-6014-4678-8E5B-5F7860BA57B7}" type="datetimeFigureOut">
+              <a:rPr lang="vi-VN" smtClean="0"/>
+              <a:t>29/01/2022</a:t>
             </a:fld>
-            <a:endParaRPr lang="zh-TW" altLang="en-US"/>
+            <a:endParaRPr lang="vi-VN"/>
           </a:p>
         </p:txBody>
       </p:sp>
@@ -1960,7 +2004,7 @@
           <a:bodyPr/>
           <a:lstStyle/>
           <a:p>
-            <a:endParaRPr lang="zh-TW" altLang="en-US"/>
+            <a:endParaRPr lang="vi-VN"/>
           </a:p>
         </p:txBody>
       </p:sp>
@@ -1979,15 +2023,20 @@
           <a:bodyPr/>
           <a:lstStyle/>
           <a:p>
-            <a:fld id="{CB6E006D-49D5-42BA-B49B-A912364DA1CB}" type="slidenum">
-              <a:rPr lang="zh-TW" altLang="en-US" smtClean="0"/>
+            <a:fld id="{4F6A784A-B191-4FC6-A7F0-70E81BA5EBAB}" type="slidenum">
+              <a:rPr lang="vi-VN" smtClean="0"/>
               <a:t>‹#›</a:t>
             </a:fld>
-            <a:endParaRPr lang="zh-TW" altLang="en-US"/>
+            <a:endParaRPr lang="vi-VN"/>
           </a:p>
         </p:txBody>
       </p:sp>
     </p:spTree>
+    <p:extLst>
+      <p:ext uri="{BB962C8B-B14F-4D97-AF65-F5344CB8AC3E}">
+        <p14:creationId xmlns:p14="http://schemas.microsoft.com/office/powerpoint/2010/main" val="591712159"/>
+      </p:ext>
+    </p:extLst>
   </p:cSld>
   <p:clrMapOvr>
     <a:masterClrMapping/>
@@ -2024,21 +2073,21 @@
         </p:nvSpPr>
         <p:spPr>
           <a:xfrm>
-            <a:off x="457200" y="273050"/>
-            <a:ext cx="3008313" cy="1162050"/>
+            <a:off x="609602" y="273049"/>
+            <a:ext cx="4011084" cy="1162051"/>
           </a:xfrm>
         </p:spPr>
         <p:txBody>
           <a:bodyPr anchor="b"/>
           <a:lstStyle>
             <a:lvl1pPr algn="l">
-              <a:defRPr sz="2000" b="1"/>
+              <a:defRPr sz="2667" b="1"/>
             </a:lvl1pPr>
           </a:lstStyle>
           <a:p>
             <a:r>
-              <a:rPr lang="zh-TW" altLang="en-US" smtClean="0"/>
-              <a:t>按一下以編輯母片標題樣式</a:t>
+              <a:rPr lang="en-US" altLang="zh-TW" smtClean="0"/>
+              <a:t>Click to edit Master title style</a:t>
             </a:r>
             <a:endParaRPr lang="zh-TW" altLang="en-US"/>
           </a:p>
@@ -2056,74 +2105,74 @@
         </p:nvSpPr>
         <p:spPr>
           <a:xfrm>
-            <a:off x="3575050" y="273050"/>
-            <a:ext cx="5111750" cy="5853113"/>
+            <a:off x="4766733" y="273052"/>
+            <a:ext cx="6815667" cy="5853113"/>
           </a:xfrm>
         </p:spPr>
         <p:txBody>
           <a:bodyPr/>
           <a:lstStyle>
             <a:lvl1pPr>
-              <a:defRPr sz="3200"/>
+              <a:defRPr sz="4267"/>
             </a:lvl1pPr>
             <a:lvl2pPr>
-              <a:defRPr sz="2800"/>
+              <a:defRPr sz="3733"/>
             </a:lvl2pPr>
             <a:lvl3pPr>
-              <a:defRPr sz="2400"/>
+              <a:defRPr sz="3200"/>
             </a:lvl3pPr>
             <a:lvl4pPr>
-              <a:defRPr sz="2000"/>
+              <a:defRPr sz="2667"/>
             </a:lvl4pPr>
             <a:lvl5pPr>
-              <a:defRPr sz="2000"/>
+              <a:defRPr sz="2667"/>
             </a:lvl5pPr>
             <a:lvl6pPr>
-              <a:defRPr sz="2000"/>
+              <a:defRPr sz="2667"/>
             </a:lvl6pPr>
             <a:lvl7pPr>
-              <a:defRPr sz="2000"/>
+              <a:defRPr sz="2667"/>
             </a:lvl7pPr>
             <a:lvl8pPr>
-              <a:defRPr sz="2000"/>
+              <a:defRPr sz="2667"/>
             </a:lvl8pPr>
             <a:lvl9pPr>
-              <a:defRPr sz="2000"/>
+              <a:defRPr sz="2667"/>
             </a:lvl9pPr>
           </a:lstStyle>
           <a:p>
             <a:pPr lvl="0"/>
             <a:r>
-              <a:rPr lang="zh-TW" altLang="en-US" smtClean="0"/>
-              <a:t>按一下以編輯母片文字樣式</a:t>
+              <a:rPr lang="en-US" altLang="zh-TW" smtClean="0"/>
+              <a:t>Edit Master text styles</a:t>
             </a:r>
           </a:p>
           <a:p>
             <a:pPr lvl="1"/>
             <a:r>
-              <a:rPr lang="zh-TW" altLang="en-US" smtClean="0"/>
-              <a:t>第二層</a:t>
+              <a:rPr lang="en-US" altLang="zh-TW" smtClean="0"/>
+              <a:t>Second level</a:t>
             </a:r>
           </a:p>
           <a:p>
             <a:pPr lvl="2"/>
             <a:r>
-              <a:rPr lang="zh-TW" altLang="en-US" smtClean="0"/>
-              <a:t>第三層</a:t>
+              <a:rPr lang="en-US" altLang="zh-TW" smtClean="0"/>
+              <a:t>Third level</a:t>
             </a:r>
           </a:p>
           <a:p>
             <a:pPr lvl="3"/>
             <a:r>
-              <a:rPr lang="zh-TW" altLang="en-US" smtClean="0"/>
-              <a:t>第四層</a:t>
+              <a:rPr lang="en-US" altLang="zh-TW" smtClean="0"/>
+              <a:t>Fourth level</a:t>
             </a:r>
           </a:p>
           <a:p>
             <a:pPr lvl="4"/>
             <a:r>
-              <a:rPr lang="zh-TW" altLang="en-US" smtClean="0"/>
-              <a:t>第五層</a:t>
+              <a:rPr lang="en-US" altLang="zh-TW" smtClean="0"/>
+              <a:t>Fifth level</a:t>
             </a:r>
             <a:endParaRPr lang="zh-TW" altLang="en-US"/>
           </a:p>
@@ -2141,8 +2190,8 @@
         </p:nvSpPr>
         <p:spPr>
           <a:xfrm>
-            <a:off x="457200" y="1435100"/>
-            <a:ext cx="3008313" cy="4691063"/>
+            <a:off x="609602" y="1435102"/>
+            <a:ext cx="4011084" cy="4691063"/>
           </a:xfrm>
         </p:spPr>
         <p:txBody>
@@ -2150,46 +2199,46 @@
           <a:lstStyle>
             <a:lvl1pPr marL="0" indent="0">
               <a:buNone/>
-              <a:defRPr sz="1400"/>
+              <a:defRPr sz="1867"/>
             </a:lvl1pPr>
-            <a:lvl2pPr marL="457200" indent="0">
+            <a:lvl2pPr marL="609585" indent="0">
+              <a:buNone/>
+              <a:defRPr sz="1600"/>
+            </a:lvl2pPr>
+            <a:lvl3pPr marL="1219170" indent="0">
+              <a:buNone/>
+              <a:defRPr sz="1333"/>
+            </a:lvl3pPr>
+            <a:lvl4pPr marL="1828754" indent="0">
               <a:buNone/>
               <a:defRPr sz="1200"/>
-            </a:lvl2pPr>
-            <a:lvl3pPr marL="914400" indent="0">
-              <a:buNone/>
-              <a:defRPr sz="1000"/>
-            </a:lvl3pPr>
-            <a:lvl4pPr marL="1371600" indent="0">
-              <a:buNone/>
-              <a:defRPr sz="900"/>
             </a:lvl4pPr>
-            <a:lvl5pPr marL="1828800" indent="0">
-              <a:buNone/>
-              <a:defRPr sz="900"/>
+            <a:lvl5pPr marL="2438339" indent="0">
+              <a:buNone/>
+              <a:defRPr sz="1200"/>
             </a:lvl5pPr>
-            <a:lvl6pPr marL="2286000" indent="0">
-              <a:buNone/>
-              <a:defRPr sz="900"/>
+            <a:lvl6pPr marL="3047924" indent="0">
+              <a:buNone/>
+              <a:defRPr sz="1200"/>
             </a:lvl6pPr>
-            <a:lvl7pPr marL="2743200" indent="0">
-              <a:buNone/>
-              <a:defRPr sz="900"/>
+            <a:lvl7pPr marL="3657509" indent="0">
+              <a:buNone/>
+              <a:defRPr sz="1200"/>
             </a:lvl7pPr>
-            <a:lvl8pPr marL="3200400" indent="0">
-              <a:buNone/>
-              <a:defRPr sz="900"/>
+            <a:lvl8pPr marL="4267093" indent="0">
+              <a:buNone/>
+              <a:defRPr sz="1200"/>
             </a:lvl8pPr>
-            <a:lvl9pPr marL="3657600" indent="0">
-              <a:buNone/>
-              <a:defRPr sz="900"/>
+            <a:lvl9pPr marL="4876678" indent="0">
+              <a:buNone/>
+              <a:defRPr sz="1200"/>
             </a:lvl9pPr>
           </a:lstStyle>
           <a:p>
             <a:pPr lvl="0"/>
             <a:r>
-              <a:rPr lang="zh-TW" altLang="en-US" smtClean="0"/>
-              <a:t>按一下以編輯母片文字樣式</a:t>
+              <a:rPr lang="en-US" altLang="zh-TW" smtClean="0"/>
+              <a:t>Edit Master text styles</a:t>
             </a:r>
           </a:p>
         </p:txBody>
@@ -2209,11 +2258,11 @@
           <a:bodyPr/>
           <a:lstStyle/>
           <a:p>
-            <a:fld id="{7C2AAAD3-CA26-4605-938C-D00D2F376A90}" type="datetimeFigureOut">
-              <a:rPr lang="zh-TW" altLang="en-US" smtClean="0"/>
-              <a:t>2017/12/31</a:t>
+            <a:fld id="{74EF539A-6014-4678-8E5B-5F7860BA57B7}" type="datetimeFigureOut">
+              <a:rPr lang="vi-VN" smtClean="0"/>
+              <a:t>29/01/2022</a:t>
             </a:fld>
-            <a:endParaRPr lang="zh-TW" altLang="en-US"/>
+            <a:endParaRPr lang="vi-VN"/>
           </a:p>
         </p:txBody>
       </p:sp>
@@ -2232,7 +2281,7 @@
           <a:bodyPr/>
           <a:lstStyle/>
           <a:p>
-            <a:endParaRPr lang="zh-TW" altLang="en-US"/>
+            <a:endParaRPr lang="vi-VN"/>
           </a:p>
         </p:txBody>
       </p:sp>
@@ -2251,15 +2300,20 @@
           <a:bodyPr/>
           <a:lstStyle/>
           <a:p>
-            <a:fld id="{CB6E006D-49D5-42BA-B49B-A912364DA1CB}" type="slidenum">
-              <a:rPr lang="zh-TW" altLang="en-US" smtClean="0"/>
+            <a:fld id="{4F6A784A-B191-4FC6-A7F0-70E81BA5EBAB}" type="slidenum">
+              <a:rPr lang="vi-VN" smtClean="0"/>
               <a:t>‹#›</a:t>
             </a:fld>
-            <a:endParaRPr lang="zh-TW" altLang="en-US"/>
+            <a:endParaRPr lang="vi-VN"/>
           </a:p>
         </p:txBody>
       </p:sp>
     </p:spTree>
+    <p:extLst>
+      <p:ext uri="{BB962C8B-B14F-4D97-AF65-F5344CB8AC3E}">
+        <p14:creationId xmlns:p14="http://schemas.microsoft.com/office/powerpoint/2010/main" val="2100863417"/>
+      </p:ext>
+    </p:extLst>
   </p:cSld>
   <p:clrMapOvr>
     <a:masterClrMapping/>
@@ -2296,21 +2350,21 @@
         </p:nvSpPr>
         <p:spPr>
           <a:xfrm>
-            <a:off x="1792288" y="4800600"/>
-            <a:ext cx="5486400" cy="566738"/>
+            <a:off x="2389717" y="4800600"/>
+            <a:ext cx="7315200" cy="566739"/>
           </a:xfrm>
         </p:spPr>
         <p:txBody>
           <a:bodyPr anchor="b"/>
           <a:lstStyle>
             <a:lvl1pPr algn="l">
-              <a:defRPr sz="2000" b="1"/>
+              <a:defRPr sz="2667" b="1"/>
             </a:lvl1pPr>
           </a:lstStyle>
           <a:p>
             <a:r>
-              <a:rPr lang="zh-TW" altLang="en-US" smtClean="0"/>
-              <a:t>按一下以編輯母片標題樣式</a:t>
+              <a:rPr lang="en-US" altLang="zh-TW" smtClean="0"/>
+              <a:t>Click to edit Master title style</a:t>
             </a:r>
             <a:endParaRPr lang="zh-TW" altLang="en-US"/>
           </a:p>
@@ -2328,8 +2382,8 @@
         </p:nvSpPr>
         <p:spPr>
           <a:xfrm>
-            <a:off x="1792288" y="612775"/>
-            <a:ext cx="5486400" cy="4114800"/>
+            <a:off x="2389717" y="612775"/>
+            <a:ext cx="7315200" cy="4114800"/>
           </a:xfrm>
         </p:spPr>
         <p:txBody>
@@ -2337,42 +2391,46 @@
           <a:lstStyle>
             <a:lvl1pPr marL="0" indent="0">
               <a:buNone/>
+              <a:defRPr sz="4267"/>
+            </a:lvl1pPr>
+            <a:lvl2pPr marL="609585" indent="0">
+              <a:buNone/>
+              <a:defRPr sz="3733"/>
+            </a:lvl2pPr>
+            <a:lvl3pPr marL="1219170" indent="0">
+              <a:buNone/>
               <a:defRPr sz="3200"/>
-            </a:lvl1pPr>
-            <a:lvl2pPr marL="457200" indent="0">
-              <a:buNone/>
-              <a:defRPr sz="2800"/>
-            </a:lvl2pPr>
-            <a:lvl3pPr marL="914400" indent="0">
-              <a:buNone/>
-              <a:defRPr sz="2400"/>
             </a:lvl3pPr>
-            <a:lvl4pPr marL="1371600" indent="0">
-              <a:buNone/>
-              <a:defRPr sz="2000"/>
+            <a:lvl4pPr marL="1828754" indent="0">
+              <a:buNone/>
+              <a:defRPr sz="2667"/>
             </a:lvl4pPr>
-            <a:lvl5pPr marL="1828800" indent="0">
-              <a:buNone/>
-              <a:defRPr sz="2000"/>
+            <a:lvl5pPr marL="2438339" indent="0">
+              <a:buNone/>
+              <a:defRPr sz="2667"/>
             </a:lvl5pPr>
-            <a:lvl6pPr marL="2286000" indent="0">
-              <a:buNone/>
-              <a:defRPr sz="2000"/>
+            <a:lvl6pPr marL="3047924" indent="0">
+              <a:buNone/>
+              <a:defRPr sz="2667"/>
             </a:lvl6pPr>
-            <a:lvl7pPr marL="2743200" indent="0">
-              <a:buNone/>
-              <a:defRPr sz="2000"/>
+            <a:lvl7pPr marL="3657509" indent="0">
+              <a:buNone/>
+              <a:defRPr sz="2667"/>
             </a:lvl7pPr>
-            <a:lvl8pPr marL="3200400" indent="0">
-              <a:buNone/>
-              <a:defRPr sz="2000"/>
+            <a:lvl8pPr marL="4267093" indent="0">
+              <a:buNone/>
+              <a:defRPr sz="2667"/>
             </a:lvl8pPr>
-            <a:lvl9pPr marL="3657600" indent="0">
-              <a:buNone/>
-              <a:defRPr sz="2000"/>
+            <a:lvl9pPr marL="4876678" indent="0">
+              <a:buNone/>
+              <a:defRPr sz="2667"/>
             </a:lvl9pPr>
           </a:lstStyle>
           <a:p>
+            <a:r>
+              <a:rPr lang="en-US" altLang="zh-TW" smtClean="0"/>
+              <a:t>Click icon to add picture</a:t>
+            </a:r>
             <a:endParaRPr lang="zh-TW" altLang="en-US"/>
           </a:p>
         </p:txBody>
@@ -2389,8 +2447,8 @@
         </p:nvSpPr>
         <p:spPr>
           <a:xfrm>
-            <a:off x="1792288" y="5367338"/>
-            <a:ext cx="5486400" cy="804862"/>
+            <a:off x="2389717" y="5367338"/>
+            <a:ext cx="7315200" cy="804863"/>
           </a:xfrm>
         </p:spPr>
         <p:txBody>
@@ -2398,46 +2456,46 @@
           <a:lstStyle>
             <a:lvl1pPr marL="0" indent="0">
               <a:buNone/>
-              <a:defRPr sz="1400"/>
+              <a:defRPr sz="1867"/>
             </a:lvl1pPr>
-            <a:lvl2pPr marL="457200" indent="0">
+            <a:lvl2pPr marL="609585" indent="0">
+              <a:buNone/>
+              <a:defRPr sz="1600"/>
+            </a:lvl2pPr>
+            <a:lvl3pPr marL="1219170" indent="0">
+              <a:buNone/>
+              <a:defRPr sz="1333"/>
+            </a:lvl3pPr>
+            <a:lvl4pPr marL="1828754" indent="0">
               <a:buNone/>
               <a:defRPr sz="1200"/>
-            </a:lvl2pPr>
-            <a:lvl3pPr marL="914400" indent="0">
-              <a:buNone/>
-              <a:defRPr sz="1000"/>
-            </a:lvl3pPr>
-            <a:lvl4pPr marL="1371600" indent="0">
-              <a:buNone/>
-              <a:defRPr sz="900"/>
             </a:lvl4pPr>
-            <a:lvl5pPr marL="1828800" indent="0">
-              <a:buNone/>
-              <a:defRPr sz="900"/>
+            <a:lvl5pPr marL="2438339" indent="0">
+              <a:buNone/>
+              <a:defRPr sz="1200"/>
             </a:lvl5pPr>
-            <a:lvl6pPr marL="2286000" indent="0">
-              <a:buNone/>
-              <a:defRPr sz="900"/>
+            <a:lvl6pPr marL="3047924" indent="0">
+              <a:buNone/>
+              <a:defRPr sz="1200"/>
             </a:lvl6pPr>
-            <a:lvl7pPr marL="2743200" indent="0">
-              <a:buNone/>
-              <a:defRPr sz="900"/>
+            <a:lvl7pPr marL="3657509" indent="0">
+              <a:buNone/>
+              <a:defRPr sz="1200"/>
             </a:lvl7pPr>
-            <a:lvl8pPr marL="3200400" indent="0">
-              <a:buNone/>
-              <a:defRPr sz="900"/>
+            <a:lvl8pPr marL="4267093" indent="0">
+              <a:buNone/>
+              <a:defRPr sz="1200"/>
             </a:lvl8pPr>
-            <a:lvl9pPr marL="3657600" indent="0">
-              <a:buNone/>
-              <a:defRPr sz="900"/>
+            <a:lvl9pPr marL="4876678" indent="0">
+              <a:buNone/>
+              <a:defRPr sz="1200"/>
             </a:lvl9pPr>
           </a:lstStyle>
           <a:p>
             <a:pPr lvl="0"/>
             <a:r>
-              <a:rPr lang="zh-TW" altLang="en-US" smtClean="0"/>
-              <a:t>按一下以編輯母片文字樣式</a:t>
+              <a:rPr lang="en-US" altLang="zh-TW" smtClean="0"/>
+              <a:t>Edit Master text styles</a:t>
             </a:r>
           </a:p>
         </p:txBody>
@@ -2457,11 +2515,11 @@
           <a:bodyPr/>
           <a:lstStyle/>
           <a:p>
-            <a:fld id="{7C2AAAD3-CA26-4605-938C-D00D2F376A90}" type="datetimeFigureOut">
-              <a:rPr lang="zh-TW" altLang="en-US" smtClean="0"/>
-              <a:t>2017/12/31</a:t>
+            <a:fld id="{74EF539A-6014-4678-8E5B-5F7860BA57B7}" type="datetimeFigureOut">
+              <a:rPr lang="vi-VN" smtClean="0"/>
+              <a:t>29/01/2022</a:t>
             </a:fld>
-            <a:endParaRPr lang="zh-TW" altLang="en-US"/>
+            <a:endParaRPr lang="vi-VN"/>
           </a:p>
         </p:txBody>
       </p:sp>
@@ -2480,7 +2538,7 @@
           <a:bodyPr/>
           <a:lstStyle/>
           <a:p>
-            <a:endParaRPr lang="zh-TW" altLang="en-US"/>
+            <a:endParaRPr lang="vi-VN"/>
           </a:p>
         </p:txBody>
       </p:sp>
@@ -2499,15 +2557,20 @@
           <a:bodyPr/>
           <a:lstStyle/>
           <a:p>
-            <a:fld id="{CB6E006D-49D5-42BA-B49B-A912364DA1CB}" type="slidenum">
-              <a:rPr lang="zh-TW" altLang="en-US" smtClean="0"/>
+            <a:fld id="{4F6A784A-B191-4FC6-A7F0-70E81BA5EBAB}" type="slidenum">
+              <a:rPr lang="vi-VN" smtClean="0"/>
               <a:t>‹#›</a:t>
             </a:fld>
-            <a:endParaRPr lang="zh-TW" altLang="en-US"/>
+            <a:endParaRPr lang="vi-VN"/>
           </a:p>
         </p:txBody>
       </p:sp>
     </p:spTree>
+    <p:extLst>
+      <p:ext uri="{BB962C8B-B14F-4D97-AF65-F5344CB8AC3E}">
+        <p14:creationId xmlns:p14="http://schemas.microsoft.com/office/powerpoint/2010/main" val="1099831259"/>
+      </p:ext>
+    </p:extLst>
   </p:cSld>
   <p:clrMapOvr>
     <a:masterClrMapping/>
@@ -2519,9 +2582,14 @@
 <p:sldMaster xmlns:a="http://schemas.openxmlformats.org/drawingml/2006/main" xmlns:r="http://schemas.openxmlformats.org/officeDocument/2006/relationships" xmlns:p="http://schemas.openxmlformats.org/presentationml/2006/main">
   <p:cSld>
     <p:bg>
-      <p:bgRef idx="1001">
-        <a:schemeClr val="bg1"/>
-      </p:bgRef>
+      <p:bgPr>
+        <a:blipFill dpi="0" rotWithShape="1">
+          <a:blip r:embed="rId13"/>
+          <a:srcRect/>
+          <a:tile tx="0" ty="0" sx="100000" sy="100000" flip="none" algn="tl"/>
+        </a:blipFill>
+        <a:effectLst/>
+      </p:bgPr>
     </p:bg>
     <p:spTree>
       <p:nvGrpSpPr>
@@ -2549,8 +2617,8 @@
         </p:nvSpPr>
         <p:spPr>
           <a:xfrm>
-            <a:off x="457200" y="274638"/>
-            <a:ext cx="8229600" cy="1143000"/>
+            <a:off x="609600" y="274639"/>
+            <a:ext cx="10972800" cy="1143000"/>
           </a:xfrm>
           <a:prstGeom prst="rect">
             <a:avLst/>
@@ -2582,8 +2650,8 @@
         </p:nvSpPr>
         <p:spPr>
           <a:xfrm>
-            <a:off x="457200" y="1600200"/>
-            <a:ext cx="8229600" cy="4525963"/>
+            <a:off x="609600" y="1600201"/>
+            <a:ext cx="10972800" cy="4525963"/>
           </a:xfrm>
           <a:prstGeom prst="rect">
             <a:avLst/>
@@ -2644,8 +2712,8 @@
         </p:nvSpPr>
         <p:spPr>
           <a:xfrm>
-            <a:off x="457200" y="6356350"/>
-            <a:ext cx="2133600" cy="365125"/>
+            <a:off x="609600" y="6356351"/>
+            <a:ext cx="2844800" cy="365125"/>
           </a:xfrm>
           <a:prstGeom prst="rect">
             <a:avLst/>
@@ -2655,7 +2723,7 @@
           <a:bodyPr vert="horz" lIns="91440" tIns="45720" rIns="91440" bIns="45720" rtlCol="0" anchor="ctr"/>
           <a:lstStyle>
             <a:lvl1pPr algn="l">
-              <a:defRPr sz="1200">
+              <a:defRPr sz="1600">
                 <a:solidFill>
                   <a:schemeClr val="tx1">
                     <a:tint val="75000"/>
@@ -2665,11 +2733,11 @@
             </a:lvl1pPr>
           </a:lstStyle>
           <a:p>
-            <a:fld id="{7C2AAAD3-CA26-4605-938C-D00D2F376A90}" type="datetimeFigureOut">
-              <a:rPr lang="zh-TW" altLang="en-US" smtClean="0"/>
-              <a:t>2017/12/31</a:t>
+            <a:fld id="{74EF539A-6014-4678-8E5B-5F7860BA57B7}" type="datetimeFigureOut">
+              <a:rPr lang="vi-VN" smtClean="0"/>
+              <a:t>29/01/2022</a:t>
             </a:fld>
-            <a:endParaRPr lang="zh-TW" altLang="en-US"/>
+            <a:endParaRPr lang="vi-VN"/>
           </a:p>
         </p:txBody>
       </p:sp>
@@ -2685,8 +2753,8 @@
         </p:nvSpPr>
         <p:spPr>
           <a:xfrm>
-            <a:off x="3124200" y="6356350"/>
-            <a:ext cx="2895600" cy="365125"/>
+            <a:off x="4165600" y="6356351"/>
+            <a:ext cx="3860800" cy="365125"/>
           </a:xfrm>
           <a:prstGeom prst="rect">
             <a:avLst/>
@@ -2696,7 +2764,7 @@
           <a:bodyPr vert="horz" lIns="91440" tIns="45720" rIns="91440" bIns="45720" rtlCol="0" anchor="ctr"/>
           <a:lstStyle>
             <a:lvl1pPr algn="ctr">
-              <a:defRPr sz="1200">
+              <a:defRPr sz="1600">
                 <a:solidFill>
                   <a:schemeClr val="tx1">
                     <a:tint val="75000"/>
@@ -2706,7 +2774,7 @@
             </a:lvl1pPr>
           </a:lstStyle>
           <a:p>
-            <a:endParaRPr lang="zh-TW" altLang="en-US"/>
+            <a:endParaRPr lang="vi-VN"/>
           </a:p>
         </p:txBody>
       </p:sp>
@@ -2722,8 +2790,8 @@
         </p:nvSpPr>
         <p:spPr>
           <a:xfrm>
-            <a:off x="6553200" y="6356350"/>
-            <a:ext cx="2133600" cy="365125"/>
+            <a:off x="8737600" y="6356351"/>
+            <a:ext cx="2844800" cy="365125"/>
           </a:xfrm>
           <a:prstGeom prst="rect">
             <a:avLst/>
@@ -2733,7 +2801,7 @@
           <a:bodyPr vert="horz" lIns="91440" tIns="45720" rIns="91440" bIns="45720" rtlCol="0" anchor="ctr"/>
           <a:lstStyle>
             <a:lvl1pPr algn="r">
-              <a:defRPr sz="1200">
+              <a:defRPr sz="1600">
                 <a:solidFill>
                   <a:schemeClr val="tx1">
                     <a:tint val="75000"/>
@@ -2743,38 +2811,43 @@
             </a:lvl1pPr>
           </a:lstStyle>
           <a:p>
-            <a:fld id="{CB6E006D-49D5-42BA-B49B-A912364DA1CB}" type="slidenum">
-              <a:rPr lang="zh-TW" altLang="en-US" smtClean="0"/>
+            <a:fld id="{4F6A784A-B191-4FC6-A7F0-70E81BA5EBAB}" type="slidenum">
+              <a:rPr lang="vi-VN" smtClean="0"/>
               <a:t>‹#›</a:t>
             </a:fld>
-            <a:endParaRPr lang="zh-TW" altLang="en-US"/>
+            <a:endParaRPr lang="vi-VN"/>
           </a:p>
         </p:txBody>
       </p:sp>
     </p:spTree>
+    <p:extLst>
+      <p:ext uri="{BB962C8B-B14F-4D97-AF65-F5344CB8AC3E}">
+        <p14:creationId xmlns:p14="http://schemas.microsoft.com/office/powerpoint/2010/main" val="2054221200"/>
+      </p:ext>
+    </p:extLst>
   </p:cSld>
   <p:clrMap bg1="lt1" tx1="dk1" bg2="lt2" tx2="dk2" accent1="accent1" accent2="accent2" accent3="accent3" accent4="accent4" accent5="accent5" accent6="accent6" hlink="hlink" folHlink="folHlink"/>
   <p:sldLayoutIdLst>
-    <p:sldLayoutId id="2147483649" r:id="rId1"/>
-    <p:sldLayoutId id="2147483650" r:id="rId2"/>
-    <p:sldLayoutId id="2147483651" r:id="rId3"/>
-    <p:sldLayoutId id="2147483652" r:id="rId4"/>
-    <p:sldLayoutId id="2147483653" r:id="rId5"/>
-    <p:sldLayoutId id="2147483654" r:id="rId6"/>
-    <p:sldLayoutId id="2147483655" r:id="rId7"/>
-    <p:sldLayoutId id="2147483656" r:id="rId8"/>
-    <p:sldLayoutId id="2147483657" r:id="rId9"/>
-    <p:sldLayoutId id="2147483658" r:id="rId10"/>
-    <p:sldLayoutId id="2147483659" r:id="rId11"/>
+    <p:sldLayoutId id="2147483661" r:id="rId1"/>
+    <p:sldLayoutId id="2147483662" r:id="rId2"/>
+    <p:sldLayoutId id="2147483663" r:id="rId3"/>
+    <p:sldLayoutId id="2147483664" r:id="rId4"/>
+    <p:sldLayoutId id="2147483665" r:id="rId5"/>
+    <p:sldLayoutId id="2147483666" r:id="rId6"/>
+    <p:sldLayoutId id="2147483667" r:id="rId7"/>
+    <p:sldLayoutId id="2147483668" r:id="rId8"/>
+    <p:sldLayoutId id="2147483669" r:id="rId9"/>
+    <p:sldLayoutId id="2147483670" r:id="rId10"/>
+    <p:sldLayoutId id="2147483671" r:id="rId11"/>
   </p:sldLayoutIdLst>
   <p:txStyles>
     <p:titleStyle>
-      <a:lvl1pPr algn="ctr" defTabSz="914400" rtl="0" eaLnBrk="1" latinLnBrk="0" hangingPunct="1">
+      <a:lvl1pPr algn="ctr" defTabSz="1219170" rtl="0" eaLnBrk="1" latinLnBrk="0" hangingPunct="1">
         <a:spcBef>
           <a:spcPct val="0"/>
         </a:spcBef>
         <a:buNone/>
-        <a:defRPr sz="4400" kern="1200">
+        <a:defRPr sz="5867" kern="1200">
           <a:solidFill>
             <a:schemeClr val="tx1"/>
           </a:solidFill>
@@ -2785,7 +2858,37 @@
       </a:lvl1pPr>
     </p:titleStyle>
     <p:bodyStyle>
-      <a:lvl1pPr marL="342900" indent="-342900" algn="l" defTabSz="914400" rtl="0" eaLnBrk="1" latinLnBrk="0" hangingPunct="1">
+      <a:lvl1pPr marL="457189" indent="-457189" algn="l" defTabSz="1219170" rtl="0" eaLnBrk="1" latinLnBrk="0" hangingPunct="1">
+        <a:spcBef>
+          <a:spcPct val="20000"/>
+        </a:spcBef>
+        <a:buFont typeface="Arial" pitchFamily="34" charset="0"/>
+        <a:buChar char="•"/>
+        <a:defRPr sz="4267" kern="1200">
+          <a:solidFill>
+            <a:schemeClr val="tx1"/>
+          </a:solidFill>
+          <a:latin typeface="+mn-lt"/>
+          <a:ea typeface="+mn-ea"/>
+          <a:cs typeface="+mn-cs"/>
+        </a:defRPr>
+      </a:lvl1pPr>
+      <a:lvl2pPr marL="990575" indent="-380990" algn="l" defTabSz="1219170" rtl="0" eaLnBrk="1" latinLnBrk="0" hangingPunct="1">
+        <a:spcBef>
+          <a:spcPct val="20000"/>
+        </a:spcBef>
+        <a:buFont typeface="Arial" pitchFamily="34" charset="0"/>
+        <a:buChar char="–"/>
+        <a:defRPr sz="3733" kern="1200">
+          <a:solidFill>
+            <a:schemeClr val="tx1"/>
+          </a:solidFill>
+          <a:latin typeface="+mn-lt"/>
+          <a:ea typeface="+mn-ea"/>
+          <a:cs typeface="+mn-cs"/>
+        </a:defRPr>
+      </a:lvl2pPr>
+      <a:lvl3pPr marL="1523962" indent="-304792" algn="l" defTabSz="1219170" rtl="0" eaLnBrk="1" latinLnBrk="0" hangingPunct="1">
         <a:spcBef>
           <a:spcPct val="20000"/>
         </a:spcBef>
@@ -2799,44 +2902,14 @@
           <a:ea typeface="+mn-ea"/>
           <a:cs typeface="+mn-cs"/>
         </a:defRPr>
-      </a:lvl1pPr>
-      <a:lvl2pPr marL="742950" indent="-285750" algn="l" defTabSz="914400" rtl="0" eaLnBrk="1" latinLnBrk="0" hangingPunct="1">
+      </a:lvl3pPr>
+      <a:lvl4pPr marL="2133547" indent="-304792" algn="l" defTabSz="1219170" rtl="0" eaLnBrk="1" latinLnBrk="0" hangingPunct="1">
         <a:spcBef>
           <a:spcPct val="20000"/>
         </a:spcBef>
         <a:buFont typeface="Arial" pitchFamily="34" charset="0"/>
         <a:buChar char="–"/>
-        <a:defRPr sz="2800" kern="1200">
-          <a:solidFill>
-            <a:schemeClr val="tx1"/>
-          </a:solidFill>
-          <a:latin typeface="+mn-lt"/>
-          <a:ea typeface="+mn-ea"/>
-          <a:cs typeface="+mn-cs"/>
-        </a:defRPr>
-      </a:lvl2pPr>
-      <a:lvl3pPr marL="1143000" indent="-228600" algn="l" defTabSz="914400" rtl="0" eaLnBrk="1" latinLnBrk="0" hangingPunct="1">
-        <a:spcBef>
-          <a:spcPct val="20000"/>
-        </a:spcBef>
-        <a:buFont typeface="Arial" pitchFamily="34" charset="0"/>
-        <a:buChar char="•"/>
-        <a:defRPr sz="2400" kern="1200">
-          <a:solidFill>
-            <a:schemeClr val="tx1"/>
-          </a:solidFill>
-          <a:latin typeface="+mn-lt"/>
-          <a:ea typeface="+mn-ea"/>
-          <a:cs typeface="+mn-cs"/>
-        </a:defRPr>
-      </a:lvl3pPr>
-      <a:lvl4pPr marL="1600200" indent="-228600" algn="l" defTabSz="914400" rtl="0" eaLnBrk="1" latinLnBrk="0" hangingPunct="1">
-        <a:spcBef>
-          <a:spcPct val="20000"/>
-        </a:spcBef>
-        <a:buFont typeface="Arial" pitchFamily="34" charset="0"/>
-        <a:buChar char="–"/>
-        <a:defRPr sz="2000" kern="1200">
+        <a:defRPr sz="2667" kern="1200">
           <a:solidFill>
             <a:schemeClr val="tx1"/>
           </a:solidFill>
@@ -2845,13 +2918,13 @@
           <a:cs typeface="+mn-cs"/>
         </a:defRPr>
       </a:lvl4pPr>
-      <a:lvl5pPr marL="2057400" indent="-228600" algn="l" defTabSz="914400" rtl="0" eaLnBrk="1" latinLnBrk="0" hangingPunct="1">
+      <a:lvl5pPr marL="2743131" indent="-304792" algn="l" defTabSz="1219170" rtl="0" eaLnBrk="1" latinLnBrk="0" hangingPunct="1">
         <a:spcBef>
           <a:spcPct val="20000"/>
         </a:spcBef>
         <a:buFont typeface="Arial" pitchFamily="34" charset="0"/>
         <a:buChar char="»"/>
-        <a:defRPr sz="2000" kern="1200">
+        <a:defRPr sz="2667" kern="1200">
           <a:solidFill>
             <a:schemeClr val="tx1"/>
           </a:solidFill>
@@ -2860,13 +2933,13 @@
           <a:cs typeface="+mn-cs"/>
         </a:defRPr>
       </a:lvl5pPr>
-      <a:lvl6pPr marL="2514600" indent="-228600" algn="l" defTabSz="914400" rtl="0" eaLnBrk="1" latinLnBrk="0" hangingPunct="1">
+      <a:lvl6pPr marL="3352716" indent="-304792" algn="l" defTabSz="1219170" rtl="0" eaLnBrk="1" latinLnBrk="0" hangingPunct="1">
         <a:spcBef>
           <a:spcPct val="20000"/>
         </a:spcBef>
         <a:buFont typeface="Arial" pitchFamily="34" charset="0"/>
         <a:buChar char="•"/>
-        <a:defRPr sz="2000" kern="1200">
+        <a:defRPr sz="2667" kern="1200">
           <a:solidFill>
             <a:schemeClr val="tx1"/>
           </a:solidFill>
@@ -2875,13 +2948,13 @@
           <a:cs typeface="+mn-cs"/>
         </a:defRPr>
       </a:lvl6pPr>
-      <a:lvl7pPr marL="2971800" indent="-228600" algn="l" defTabSz="914400" rtl="0" eaLnBrk="1" latinLnBrk="0" hangingPunct="1">
+      <a:lvl7pPr marL="3962301" indent="-304792" algn="l" defTabSz="1219170" rtl="0" eaLnBrk="1" latinLnBrk="0" hangingPunct="1">
         <a:spcBef>
           <a:spcPct val="20000"/>
         </a:spcBef>
         <a:buFont typeface="Arial" pitchFamily="34" charset="0"/>
         <a:buChar char="•"/>
-        <a:defRPr sz="2000" kern="1200">
+        <a:defRPr sz="2667" kern="1200">
           <a:solidFill>
             <a:schemeClr val="tx1"/>
           </a:solidFill>
@@ -2890,13 +2963,13 @@
           <a:cs typeface="+mn-cs"/>
         </a:defRPr>
       </a:lvl7pPr>
-      <a:lvl8pPr marL="3429000" indent="-228600" algn="l" defTabSz="914400" rtl="0" eaLnBrk="1" latinLnBrk="0" hangingPunct="1">
+      <a:lvl8pPr marL="4571886" indent="-304792" algn="l" defTabSz="1219170" rtl="0" eaLnBrk="1" latinLnBrk="0" hangingPunct="1">
         <a:spcBef>
           <a:spcPct val="20000"/>
         </a:spcBef>
         <a:buFont typeface="Arial" pitchFamily="34" charset="0"/>
         <a:buChar char="•"/>
-        <a:defRPr sz="2000" kern="1200">
+        <a:defRPr sz="2667" kern="1200">
           <a:solidFill>
             <a:schemeClr val="tx1"/>
           </a:solidFill>
@@ -2905,13 +2978,13 @@
           <a:cs typeface="+mn-cs"/>
         </a:defRPr>
       </a:lvl8pPr>
-      <a:lvl9pPr marL="3886200" indent="-228600" algn="l" defTabSz="914400" rtl="0" eaLnBrk="1" latinLnBrk="0" hangingPunct="1">
+      <a:lvl9pPr marL="5181470" indent="-304792" algn="l" defTabSz="1219170" rtl="0" eaLnBrk="1" latinLnBrk="0" hangingPunct="1">
         <a:spcBef>
           <a:spcPct val="20000"/>
         </a:spcBef>
         <a:buFont typeface="Arial" pitchFamily="34" charset="0"/>
         <a:buChar char="•"/>
-        <a:defRPr sz="2000" kern="1200">
+        <a:defRPr sz="2667" kern="1200">
           <a:solidFill>
             <a:schemeClr val="tx1"/>
           </a:solidFill>
@@ -2925,8 +2998,8 @@
       <a:defPPr>
         <a:defRPr lang="zh-TW"/>
       </a:defPPr>
-      <a:lvl1pPr marL="0" algn="l" defTabSz="914400" rtl="0" eaLnBrk="1" latinLnBrk="0" hangingPunct="1">
-        <a:defRPr sz="1800" kern="1200">
+      <a:lvl1pPr marL="0" algn="l" defTabSz="1219170" rtl="0" eaLnBrk="1" latinLnBrk="0" hangingPunct="1">
+        <a:defRPr sz="2400" kern="1200">
           <a:solidFill>
             <a:schemeClr val="tx1"/>
           </a:solidFill>
@@ -2935,8 +3008,8 @@
           <a:cs typeface="+mn-cs"/>
         </a:defRPr>
       </a:lvl1pPr>
-      <a:lvl2pPr marL="457200" algn="l" defTabSz="914400" rtl="0" eaLnBrk="1" latinLnBrk="0" hangingPunct="1">
-        <a:defRPr sz="1800" kern="1200">
+      <a:lvl2pPr marL="609585" algn="l" defTabSz="1219170" rtl="0" eaLnBrk="1" latinLnBrk="0" hangingPunct="1">
+        <a:defRPr sz="2400" kern="1200">
           <a:solidFill>
             <a:schemeClr val="tx1"/>
           </a:solidFill>
@@ -2945,8 +3018,8 @@
           <a:cs typeface="+mn-cs"/>
         </a:defRPr>
       </a:lvl2pPr>
-      <a:lvl3pPr marL="914400" algn="l" defTabSz="914400" rtl="0" eaLnBrk="1" latinLnBrk="0" hangingPunct="1">
-        <a:defRPr sz="1800" kern="1200">
+      <a:lvl3pPr marL="1219170" algn="l" defTabSz="1219170" rtl="0" eaLnBrk="1" latinLnBrk="0" hangingPunct="1">
+        <a:defRPr sz="2400" kern="1200">
           <a:solidFill>
             <a:schemeClr val="tx1"/>
           </a:solidFill>
@@ -2955,8 +3028,8 @@
           <a:cs typeface="+mn-cs"/>
         </a:defRPr>
       </a:lvl3pPr>
-      <a:lvl4pPr marL="1371600" algn="l" defTabSz="914400" rtl="0" eaLnBrk="1" latinLnBrk="0" hangingPunct="1">
-        <a:defRPr sz="1800" kern="1200">
+      <a:lvl4pPr marL="1828754" algn="l" defTabSz="1219170" rtl="0" eaLnBrk="1" latinLnBrk="0" hangingPunct="1">
+        <a:defRPr sz="2400" kern="1200">
           <a:solidFill>
             <a:schemeClr val="tx1"/>
           </a:solidFill>
@@ -2965,8 +3038,8 @@
           <a:cs typeface="+mn-cs"/>
         </a:defRPr>
       </a:lvl4pPr>
-      <a:lvl5pPr marL="1828800" algn="l" defTabSz="914400" rtl="0" eaLnBrk="1" latinLnBrk="0" hangingPunct="1">
-        <a:defRPr sz="1800" kern="1200">
+      <a:lvl5pPr marL="2438339" algn="l" defTabSz="1219170" rtl="0" eaLnBrk="1" latinLnBrk="0" hangingPunct="1">
+        <a:defRPr sz="2400" kern="1200">
           <a:solidFill>
             <a:schemeClr val="tx1"/>
           </a:solidFill>
@@ -2975,8 +3048,8 @@
           <a:cs typeface="+mn-cs"/>
         </a:defRPr>
       </a:lvl5pPr>
-      <a:lvl6pPr marL="2286000" algn="l" defTabSz="914400" rtl="0" eaLnBrk="1" latinLnBrk="0" hangingPunct="1">
-        <a:defRPr sz="1800" kern="1200">
+      <a:lvl6pPr marL="3047924" algn="l" defTabSz="1219170" rtl="0" eaLnBrk="1" latinLnBrk="0" hangingPunct="1">
+        <a:defRPr sz="2400" kern="1200">
           <a:solidFill>
             <a:schemeClr val="tx1"/>
           </a:solidFill>
@@ -2985,8 +3058,8 @@
           <a:cs typeface="+mn-cs"/>
         </a:defRPr>
       </a:lvl6pPr>
-      <a:lvl7pPr marL="2743200" algn="l" defTabSz="914400" rtl="0" eaLnBrk="1" latinLnBrk="0" hangingPunct="1">
-        <a:defRPr sz="1800" kern="1200">
+      <a:lvl7pPr marL="3657509" algn="l" defTabSz="1219170" rtl="0" eaLnBrk="1" latinLnBrk="0" hangingPunct="1">
+        <a:defRPr sz="2400" kern="1200">
           <a:solidFill>
             <a:schemeClr val="tx1"/>
           </a:solidFill>
@@ -2995,8 +3068,8 @@
           <a:cs typeface="+mn-cs"/>
         </a:defRPr>
       </a:lvl7pPr>
-      <a:lvl8pPr marL="3200400" algn="l" defTabSz="914400" rtl="0" eaLnBrk="1" latinLnBrk="0" hangingPunct="1">
-        <a:defRPr sz="1800" kern="1200">
+      <a:lvl8pPr marL="4267093" algn="l" defTabSz="1219170" rtl="0" eaLnBrk="1" latinLnBrk="0" hangingPunct="1">
+        <a:defRPr sz="2400" kern="1200">
           <a:solidFill>
             <a:schemeClr val="tx1"/>
           </a:solidFill>
@@ -3005,8 +3078,8 @@
           <a:cs typeface="+mn-cs"/>
         </a:defRPr>
       </a:lvl8pPr>
-      <a:lvl9pPr marL="3657600" algn="l" defTabSz="914400" rtl="0" eaLnBrk="1" latinLnBrk="0" hangingPunct="1">
-        <a:defRPr sz="1800" kern="1200">
+      <a:lvl9pPr marL="4876678" algn="l" defTabSz="1219170" rtl="0" eaLnBrk="1" latinLnBrk="0" hangingPunct="1">
+        <a:defRPr sz="2400" kern="1200">
           <a:solidFill>
             <a:schemeClr val="tx1"/>
           </a:solidFill>
@@ -3039,7 +3112,7 @@
       </p:grpSpPr>
       <p:sp>
         <p:nvSpPr>
-          <p:cNvPr id="2" name="標題 1"/>
+          <p:cNvPr id="4" name="標題 3"/>
           <p:cNvSpPr>
             <a:spLocks noGrp="1"/>
           </p:cNvSpPr>
@@ -3047,190 +3120,75 @@
             <p:ph type="title"/>
           </p:nvPr>
         </p:nvSpPr>
-        <p:spPr/>
+        <p:spPr>
+          <a:xfrm>
+            <a:off x="0" y="2857513"/>
+            <a:ext cx="12192000" cy="1143000"/>
+          </a:xfrm>
+        </p:spPr>
         <p:txBody>
           <a:bodyPr>
-            <a:normAutofit/>
+            <a:noAutofit/>
           </a:bodyPr>
           <a:lstStyle/>
           <a:p>
             <a:r>
-              <a:rPr lang="zh-TW" altLang="en-US" b="1" dirty="0">
+              <a:rPr lang="zh-CN" altLang="en-US" sz="7200" b="1" i="1" dirty="0" smtClean="0">
+                <a:solidFill>
+                  <a:srgbClr val="000066"/>
+                </a:solidFill>
+                <a:effectLst>
+                  <a:outerShdw blurRad="38100" dist="38100" dir="2700000" algn="tl">
+                    <a:srgbClr val="000000">
+                      <a:alpha val="43137"/>
+                    </a:srgbClr>
+                  </a:outerShdw>
+                </a:effectLst>
                 <a:latin typeface="微軟正黑體" pitchFamily="34" charset="-120"/>
                 <a:ea typeface="微軟正黑體" pitchFamily="34" charset="-120"/>
               </a:rPr>
-              <a:t>惟獨敬</a:t>
-            </a:r>
-            <a:r>
-              <a:rPr lang="zh-TW" altLang="en-US" b="1" dirty="0" smtClean="0">
+              <a:t>惟</a:t>
+            </a:r>
+            <a:r>
+              <a:rPr lang="zh-CN" altLang="en-US" sz="7200" b="1" i="1" dirty="0">
+                <a:solidFill>
+                  <a:srgbClr val="000066"/>
+                </a:solidFill>
+                <a:effectLst>
+                  <a:outerShdw blurRad="38100" dist="38100" dir="2700000" algn="tl">
+                    <a:srgbClr val="000000">
+                      <a:alpha val="43137"/>
+                    </a:srgbClr>
+                  </a:outerShdw>
+                </a:effectLst>
                 <a:latin typeface="微軟正黑體" pitchFamily="34" charset="-120"/>
                 <a:ea typeface="微軟正黑體" pitchFamily="34" charset="-120"/>
               </a:rPr>
-              <a:t>虔</a:t>
-            </a:r>
-            <a:endParaRPr lang="zh-TW" altLang="en-US" b="1" dirty="0">
+              <a:t>獨敬虔</a:t>
+            </a:r>
+            <a:endParaRPr lang="zh-TW" altLang="en-US" sz="7200" b="1" i="1" dirty="0">
+              <a:solidFill>
+                <a:srgbClr val="000066"/>
+              </a:solidFill>
+              <a:effectLst>
+                <a:outerShdw blurRad="38100" dist="38100" dir="2700000" algn="tl">
+                  <a:srgbClr val="000000">
+                    <a:alpha val="43137"/>
+                  </a:srgbClr>
+                </a:outerShdw>
+              </a:effectLst>
               <a:latin typeface="微軟正黑體" pitchFamily="34" charset="-120"/>
               <a:ea typeface="微軟正黑體" pitchFamily="34" charset="-120"/>
             </a:endParaRPr>
           </a:p>
         </p:txBody>
       </p:sp>
-      <p:sp>
-        <p:nvSpPr>
-          <p:cNvPr id="3" name="內容版面配置區 2"/>
-          <p:cNvSpPr>
-            <a:spLocks noGrp="1"/>
-          </p:cNvSpPr>
-          <p:nvPr>
-            <p:ph idx="1"/>
-          </p:nvPr>
-        </p:nvSpPr>
-        <p:spPr>
-          <a:xfrm>
-            <a:off x="0" y="1600200"/>
-            <a:ext cx="9144000" cy="4525963"/>
-          </a:xfrm>
-        </p:spPr>
-        <p:txBody>
-          <a:bodyPr>
-            <a:noAutofit/>
-          </a:bodyPr>
-          <a:lstStyle/>
-          <a:p>
-            <a:pPr algn="ctr">
-              <a:buNone/>
-            </a:pPr>
-            <a:r>
-              <a:rPr lang="zh-TW" altLang="en-US" sz="5400" b="1" dirty="0">
-                <a:latin typeface="微軟正黑體" pitchFamily="34" charset="-120"/>
-                <a:ea typeface="微軟正黑體" pitchFamily="34" charset="-120"/>
-              </a:rPr>
-              <a:t>求全力為我主去專心</a:t>
-            </a:r>
-            <a:r>
-              <a:rPr lang="zh-TW" altLang="en-US" sz="5400" b="1" dirty="0" smtClean="0">
-                <a:latin typeface="微軟正黑體" pitchFamily="34" charset="-120"/>
-                <a:ea typeface="微軟正黑體" pitchFamily="34" charset="-120"/>
-              </a:rPr>
-              <a:t>操練</a:t>
-            </a:r>
-            <a:endParaRPr lang="en-US" altLang="zh-TW" sz="5400" b="1" dirty="0" smtClean="0">
-              <a:latin typeface="微軟正黑體" pitchFamily="34" charset="-120"/>
-              <a:ea typeface="微軟正黑體" pitchFamily="34" charset="-120"/>
-            </a:endParaRPr>
-          </a:p>
-          <a:p>
-            <a:pPr algn="ctr">
-              <a:buNone/>
-            </a:pPr>
-            <a:r>
-              <a:rPr lang="zh-TW" altLang="en-US" sz="5400" b="1" dirty="0" smtClean="0">
-                <a:latin typeface="微軟正黑體" pitchFamily="34" charset="-120"/>
-                <a:ea typeface="微軟正黑體" pitchFamily="34" charset="-120"/>
-              </a:rPr>
-              <a:t>憑</a:t>
-            </a:r>
-            <a:r>
-              <a:rPr lang="zh-TW" altLang="en-US" sz="5400" b="1" dirty="0">
-                <a:latin typeface="微軟正黑體" pitchFamily="34" charset="-120"/>
-                <a:ea typeface="微軟正黑體" pitchFamily="34" charset="-120"/>
-              </a:rPr>
-              <a:t>勞力競賽中要得</a:t>
-            </a:r>
-            <a:r>
-              <a:rPr lang="zh-TW" altLang="en-US" sz="5400" b="1" dirty="0" smtClean="0">
-                <a:latin typeface="微軟正黑體" pitchFamily="34" charset="-120"/>
-                <a:ea typeface="微軟正黑體" pitchFamily="34" charset="-120"/>
-              </a:rPr>
-              <a:t>冠冕</a:t>
-            </a:r>
-            <a:endParaRPr lang="en-US" altLang="zh-TW" sz="5400" b="1" dirty="0">
-              <a:latin typeface="微軟正黑體" pitchFamily="34" charset="-120"/>
-              <a:ea typeface="微軟正黑體" pitchFamily="34" charset="-120"/>
-            </a:endParaRPr>
-          </a:p>
-          <a:p>
-            <a:pPr algn="ctr">
-              <a:buNone/>
-            </a:pPr>
-            <a:r>
-              <a:rPr lang="zh-TW" altLang="en-US" sz="5400" b="1" dirty="0" smtClean="0">
-                <a:latin typeface="微軟正黑體" pitchFamily="34" charset="-120"/>
-                <a:ea typeface="微軟正黑體" pitchFamily="34" charset="-120"/>
-              </a:rPr>
-              <a:t>像</a:t>
-            </a:r>
-            <a:r>
-              <a:rPr lang="zh-TW" altLang="en-US" sz="5400" b="1" dirty="0">
-                <a:latin typeface="微軟正黑體" pitchFamily="34" charset="-120"/>
-                <a:ea typeface="微軟正黑體" pitchFamily="34" charset="-120"/>
-              </a:rPr>
-              <a:t>那精兵去</a:t>
-            </a:r>
-            <a:r>
-              <a:rPr lang="zh-TW" altLang="en-US" sz="5400" b="1" dirty="0" smtClean="0">
-                <a:latin typeface="微軟正黑體" pitchFamily="34" charset="-120"/>
-                <a:ea typeface="微軟正黑體" pitchFamily="34" charset="-120"/>
-              </a:rPr>
-              <a:t>比武  </a:t>
-            </a:r>
-            <a:endParaRPr lang="en-US" altLang="zh-TW" sz="5400" b="1" dirty="0" smtClean="0">
-              <a:latin typeface="微軟正黑體" pitchFamily="34" charset="-120"/>
-              <a:ea typeface="微軟正黑體" pitchFamily="34" charset="-120"/>
-            </a:endParaRPr>
-          </a:p>
-          <a:p>
-            <a:pPr algn="ctr">
-              <a:buNone/>
-            </a:pPr>
-            <a:r>
-              <a:rPr lang="zh-TW" altLang="en-US" sz="5400" b="1" dirty="0" smtClean="0">
-                <a:latin typeface="微軟正黑體" pitchFamily="34" charset="-120"/>
-                <a:ea typeface="微軟正黑體" pitchFamily="34" charset="-120"/>
-              </a:rPr>
-              <a:t> 刻苦</a:t>
-            </a:r>
-            <a:r>
-              <a:rPr lang="zh-TW" altLang="en-US" sz="5400" b="1" dirty="0">
-                <a:latin typeface="微軟正黑體" pitchFamily="34" charset="-120"/>
-                <a:ea typeface="微軟正黑體" pitchFamily="34" charset="-120"/>
-              </a:rPr>
-              <a:t>與</a:t>
-            </a:r>
-            <a:r>
-              <a:rPr lang="zh-TW" altLang="en-US" sz="5400" b="1" dirty="0" smtClean="0">
-                <a:latin typeface="微軟正黑體" pitchFamily="34" charset="-120"/>
-                <a:ea typeface="微軟正黑體" pitchFamily="34" charset="-120"/>
-              </a:rPr>
-              <a:t>辛勞</a:t>
-            </a:r>
-            <a:endParaRPr lang="en-US" altLang="zh-TW" sz="5400" b="1" dirty="0">
-              <a:latin typeface="微軟正黑體" pitchFamily="34" charset="-120"/>
-              <a:ea typeface="微軟正黑體" pitchFamily="34" charset="-120"/>
-            </a:endParaRPr>
-          </a:p>
-          <a:p>
-            <a:pPr algn="ctr">
-              <a:buNone/>
-            </a:pPr>
-            <a:r>
-              <a:rPr lang="zh-TW" altLang="en-US" sz="5400" b="1" dirty="0" smtClean="0">
-                <a:latin typeface="微軟正黑體" pitchFamily="34" charset="-120"/>
-                <a:ea typeface="微軟正黑體" pitchFamily="34" charset="-120"/>
-              </a:rPr>
-              <a:t>要</a:t>
-            </a:r>
-            <a:r>
-              <a:rPr lang="zh-TW" altLang="en-US" sz="5400" b="1" dirty="0">
-                <a:latin typeface="微軟正黑體" pitchFamily="34" charset="-120"/>
-                <a:ea typeface="微軟正黑體" pitchFamily="34" charset="-120"/>
-              </a:rPr>
-              <a:t>勝過挫敗才得到</a:t>
-            </a:r>
-          </a:p>
-        </p:txBody>
-      </p:sp>
     </p:spTree>
+    <p:extLst>
+      <p:ext uri="{BB962C8B-B14F-4D97-AF65-F5344CB8AC3E}">
+        <p14:creationId xmlns:p14="http://schemas.microsoft.com/office/powerpoint/2010/main" val="1223498122"/>
+      </p:ext>
+    </p:extLst>
   </p:cSld>
   <p:clrMapOvr>
     <a:masterClrMapping/>
@@ -3257,146 +3215,192 @@
       </p:grpSpPr>
       <p:sp>
         <p:nvSpPr>
-          <p:cNvPr id="2" name="標題 1"/>
-          <p:cNvSpPr>
-            <a:spLocks noGrp="1"/>
-          </p:cNvSpPr>
-          <p:nvPr>
-            <p:ph type="title"/>
-          </p:nvPr>
-        </p:nvSpPr>
-        <p:spPr/>
-        <p:txBody>
-          <a:bodyPr>
+          <p:cNvPr id="5" name="內容版面配置區 4"/>
+          <p:cNvSpPr>
+            <a:spLocks noGrp="1"/>
+          </p:cNvSpPr>
+          <p:nvPr>
+            <p:ph idx="1"/>
+          </p:nvPr>
+        </p:nvSpPr>
+        <p:spPr>
+          <a:xfrm>
+            <a:off x="0" y="2084851"/>
+            <a:ext cx="12192000" cy="2404863"/>
+          </a:xfrm>
+        </p:spPr>
+        <p:txBody>
+          <a:bodyPr anchor="ctr">
             <a:normAutofit/>
           </a:bodyPr>
           <a:lstStyle/>
           <a:p>
-            <a:r>
-              <a:rPr lang="zh-TW" altLang="en-US" b="1" dirty="0">
+            <a:pPr marL="0" indent="0" algn="ctr">
+              <a:buNone/>
+            </a:pPr>
+            <a:r>
+              <a:rPr lang="zh-CN" altLang="en-US" sz="6400" b="1" dirty="0" smtClean="0">
+                <a:solidFill>
+                  <a:srgbClr val="000066"/>
+                </a:solidFill>
+                <a:effectLst/>
                 <a:latin typeface="微軟正黑體" pitchFamily="34" charset="-120"/>
                 <a:ea typeface="微軟正黑體" pitchFamily="34" charset="-120"/>
               </a:rPr>
-              <a:t>惟獨敬</a:t>
-            </a:r>
-            <a:r>
-              <a:rPr lang="zh-TW" altLang="en-US" b="1" dirty="0" smtClean="0">
+              <a:t>求</a:t>
+            </a:r>
+            <a:r>
+              <a:rPr lang="zh-CN" altLang="en-US" sz="6400" b="1" dirty="0">
+                <a:solidFill>
+                  <a:srgbClr val="000066"/>
+                </a:solidFill>
+                <a:effectLst/>
                 <a:latin typeface="微軟正黑體" pitchFamily="34" charset="-120"/>
                 <a:ea typeface="微軟正黑體" pitchFamily="34" charset="-120"/>
               </a:rPr>
-              <a:t>虔</a:t>
-            </a:r>
-            <a:endParaRPr lang="zh-TW" altLang="en-US" b="1" dirty="0">
+              <a:t>全力為我主去專心操</a:t>
+            </a:r>
+            <a:r>
+              <a:rPr lang="zh-CN" altLang="en-US" sz="6400" b="1" dirty="0" smtClean="0">
+                <a:solidFill>
+                  <a:srgbClr val="000066"/>
+                </a:solidFill>
+                <a:effectLst/>
+                <a:latin typeface="微軟正黑體" pitchFamily="34" charset="-120"/>
+                <a:ea typeface="微軟正黑體" pitchFamily="34" charset="-120"/>
+              </a:rPr>
+              <a:t>練</a:t>
+            </a:r>
+            <a:endParaRPr lang="en-US" altLang="zh-CN" sz="6400" b="1" dirty="0">
+              <a:solidFill>
+                <a:srgbClr val="000066"/>
+              </a:solidFill>
+              <a:effectLst/>
               <a:latin typeface="微軟正黑體" pitchFamily="34" charset="-120"/>
               <a:ea typeface="微軟正黑體" pitchFamily="34" charset="-120"/>
             </a:endParaRPr>
           </a:p>
-        </p:txBody>
-      </p:sp>
-      <p:sp>
-        <p:nvSpPr>
-          <p:cNvPr id="3" name="內容版面配置區 2"/>
-          <p:cNvSpPr>
-            <a:spLocks noGrp="1"/>
-          </p:cNvSpPr>
-          <p:nvPr>
-            <p:ph idx="1"/>
-          </p:nvPr>
-        </p:nvSpPr>
-        <p:spPr>
-          <a:xfrm>
-            <a:off x="0" y="1600200"/>
-            <a:ext cx="9144000" cy="4525963"/>
-          </a:xfrm>
-        </p:spPr>
-        <p:txBody>
-          <a:bodyPr>
-            <a:noAutofit/>
-          </a:bodyPr>
-          <a:lstStyle/>
-          <a:p>
-            <a:pPr algn="ctr">
+          <a:p>
+            <a:pPr marL="0" indent="0" algn="ctr">
               <a:buNone/>
             </a:pPr>
             <a:r>
-              <a:rPr lang="zh-TW" altLang="en-US" sz="5400" b="1" dirty="0">
+              <a:rPr lang="zh-CN" altLang="en-US" sz="6400" b="1" dirty="0" smtClean="0">
+                <a:solidFill>
+                  <a:srgbClr val="000066"/>
+                </a:solidFill>
+                <a:effectLst/>
                 <a:latin typeface="微軟正黑體" pitchFamily="34" charset="-120"/>
                 <a:ea typeface="微軟正黑體" pitchFamily="34" charset="-120"/>
               </a:rPr>
-              <a:t>虔誠地步近主永生的跑道</a:t>
-            </a:r>
-            <a:endParaRPr lang="en-US" altLang="zh-TW" sz="5400" b="1" dirty="0">
+              <a:t>憑</a:t>
+            </a:r>
+            <a:r>
+              <a:rPr lang="zh-CN" altLang="en-US" sz="6400" b="1" dirty="0">
+                <a:solidFill>
+                  <a:srgbClr val="000066"/>
+                </a:solidFill>
+                <a:effectLst/>
+                <a:latin typeface="微軟正黑體" pitchFamily="34" charset="-120"/>
+                <a:ea typeface="微軟正黑體" pitchFamily="34" charset="-120"/>
+              </a:rPr>
+              <a:t>勞力競賽中要得冠冕</a:t>
+            </a:r>
+            <a:endParaRPr lang="en-US" altLang="zh-TW" sz="6400" b="1" dirty="0">
+              <a:solidFill>
+                <a:srgbClr val="000066"/>
+              </a:solidFill>
+              <a:effectLst/>
               <a:latin typeface="微軟正黑體" pitchFamily="34" charset="-120"/>
               <a:ea typeface="微軟正黑體" pitchFamily="34" charset="-120"/>
             </a:endParaRPr>
           </a:p>
-          <a:p>
-            <a:pPr algn="ctr">
-              <a:buNone/>
-            </a:pPr>
-            <a:r>
-              <a:rPr lang="zh-TW" altLang="en-US" sz="5400" b="1" dirty="0">
-                <a:latin typeface="微軟正黑體" pitchFamily="34" charset="-120"/>
-                <a:ea typeface="微軟正黑體" pitchFamily="34" charset="-120"/>
-              </a:rPr>
-              <a:t>常凝望十架賞賜會得到</a:t>
-            </a:r>
-            <a:endParaRPr lang="en-US" altLang="zh-TW" sz="5400" b="1" dirty="0">
-              <a:latin typeface="微軟正黑體" pitchFamily="34" charset="-120"/>
-              <a:ea typeface="微軟正黑體" pitchFamily="34" charset="-120"/>
+        </p:txBody>
+      </p:sp>
+      <p:sp>
+        <p:nvSpPr>
+          <p:cNvPr id="4" name="TextBox 3"/>
+          <p:cNvSpPr txBox="1"/>
+          <p:nvPr/>
+        </p:nvSpPr>
+        <p:spPr>
+          <a:xfrm>
+            <a:off x="0" y="5253203"/>
+            <a:ext cx="12192000" cy="748988"/>
+          </a:xfrm>
+          <a:prstGeom prst="rect">
+            <a:avLst/>
+          </a:prstGeom>
+          <a:noFill/>
+        </p:spPr>
+        <p:txBody>
+          <a:bodyPr wrap="square" rtlCol="0">
+            <a:spAutoFit/>
+          </a:bodyPr>
+          <a:lstStyle/>
+          <a:p>
+            <a:pPr algn="ctr"/>
+            <a:r>
+              <a:rPr lang="en-US" sz="4267" b="1" dirty="0">
+                <a:solidFill>
+                  <a:srgbClr val="000066"/>
+                </a:solidFill>
+                <a:effectLst/>
+                <a:latin typeface="Microsoft JhengHei" panose="020B0604030504040204" pitchFamily="34" charset="-120"/>
+                <a:ea typeface="Microsoft JhengHei" panose="020B0604030504040204" pitchFamily="34" charset="-120"/>
+              </a:rPr>
+              <a:t>( </a:t>
+            </a:r>
+            <a:r>
+              <a:rPr lang="zh-CN" altLang="en-US" sz="4267" b="1" dirty="0">
+                <a:solidFill>
+                  <a:srgbClr val="000066"/>
+                </a:solidFill>
+                <a:effectLst/>
+                <a:latin typeface="Microsoft JhengHei" panose="020B0604030504040204" pitchFamily="34" charset="-120"/>
+                <a:ea typeface="Microsoft JhengHei" panose="020B0604030504040204" pitchFamily="34" charset="-120"/>
+              </a:rPr>
+              <a:t>正</a:t>
+            </a:r>
+            <a:r>
+              <a:rPr lang="en-US" sz="4267" b="1" dirty="0">
+                <a:solidFill>
+                  <a:srgbClr val="000066"/>
+                </a:solidFill>
+                <a:effectLst/>
+                <a:latin typeface="Microsoft JhengHei" panose="020B0604030504040204" pitchFamily="34" charset="-120"/>
+                <a:ea typeface="Microsoft JhengHei" panose="020B0604030504040204" pitchFamily="34" charset="-120"/>
+              </a:rPr>
+              <a:t> )</a:t>
+            </a:r>
+            <a:endParaRPr lang="vi-VN" sz="4267" b="1" dirty="0">
+              <a:solidFill>
+                <a:srgbClr val="000066"/>
+              </a:solidFill>
+              <a:effectLst/>
+              <a:latin typeface="Microsoft JhengHei" panose="020B0604030504040204" pitchFamily="34" charset="-120"/>
+              <a:ea typeface="Microsoft JhengHei" panose="020B0604030504040204" pitchFamily="34" charset="-120"/>
             </a:endParaRPr>
           </a:p>
-          <a:p>
-            <a:pPr algn="ctr">
-              <a:buNone/>
-            </a:pPr>
-            <a:r>
-              <a:rPr lang="zh-TW" altLang="en-US" sz="5400" b="1" dirty="0">
-                <a:latin typeface="微軟正黑體" pitchFamily="34" charset="-120"/>
-                <a:ea typeface="微軟正黑體" pitchFamily="34" charset="-120"/>
-              </a:rPr>
-              <a:t>藉信心一點不退</a:t>
-            </a:r>
-            <a:endParaRPr lang="en-US" altLang="zh-TW" sz="5400" b="1" dirty="0">
-              <a:latin typeface="微軟正黑體" pitchFamily="34" charset="-120"/>
-              <a:ea typeface="微軟正黑體" pitchFamily="34" charset="-120"/>
-            </a:endParaRPr>
-          </a:p>
-          <a:p>
-            <a:pPr algn="ctr">
-              <a:buNone/>
-            </a:pPr>
-            <a:r>
-              <a:rPr lang="zh-TW" altLang="en-US" sz="5400" b="1" dirty="0">
-                <a:latin typeface="微軟正黑體" pitchFamily="34" charset="-120"/>
-                <a:ea typeface="微軟正黑體" pitchFamily="34" charset="-120"/>
-              </a:rPr>
-              <a:t>神話於心裡</a:t>
-            </a:r>
-            <a:endParaRPr lang="en-US" altLang="zh-TW" sz="5400" b="1" dirty="0">
-              <a:latin typeface="微軟正黑體" pitchFamily="34" charset="-120"/>
-              <a:ea typeface="微軟正黑體" pitchFamily="34" charset="-120"/>
-            </a:endParaRPr>
-          </a:p>
-          <a:p>
-            <a:pPr algn="ctr">
-              <a:buNone/>
-            </a:pPr>
-            <a:r>
-              <a:rPr lang="zh-TW" altLang="en-US" sz="5400" b="1" dirty="0">
-                <a:latin typeface="微軟正黑體" pitchFamily="34" charset="-120"/>
-                <a:ea typeface="微軟正黑體" pitchFamily="34" charset="-120"/>
-              </a:rPr>
-              <a:t>今生和來世有救主的應許</a:t>
-            </a:r>
-          </a:p>
         </p:txBody>
       </p:sp>
     </p:spTree>
+    <p:extLst>
+      <p:ext uri="{BB962C8B-B14F-4D97-AF65-F5344CB8AC3E}">
+        <p14:creationId xmlns:p14="http://schemas.microsoft.com/office/powerpoint/2010/main" val="3976708135"/>
+      </p:ext>
+    </p:extLst>
   </p:cSld>
   <p:clrMapOvr>
     <a:masterClrMapping/>
   </p:clrMapOvr>
+  <p:timing>
+    <p:tnLst>
+      <p:par>
+        <p:cTn id="1" dur="indefinite" restart="never" nodeType="tmRoot"/>
+      </p:par>
+    </p:tnLst>
+  </p:timing>
 </p:sld>
 </file>
 
@@ -3419,151 +3423,1095 @@
       </p:grpSpPr>
       <p:sp>
         <p:nvSpPr>
-          <p:cNvPr id="2" name="標題 1"/>
-          <p:cNvSpPr>
-            <a:spLocks noGrp="1"/>
-          </p:cNvSpPr>
-          <p:nvPr>
-            <p:ph type="title"/>
-          </p:nvPr>
-        </p:nvSpPr>
-        <p:spPr/>
-        <p:txBody>
-          <a:bodyPr>
+          <p:cNvPr id="5" name="內容版面配置區 4"/>
+          <p:cNvSpPr>
+            <a:spLocks noGrp="1"/>
+          </p:cNvSpPr>
+          <p:nvPr>
+            <p:ph idx="1"/>
+          </p:nvPr>
+        </p:nvSpPr>
+        <p:spPr>
+          <a:xfrm>
+            <a:off x="0" y="2084851"/>
+            <a:ext cx="12192000" cy="2404863"/>
+          </a:xfrm>
+        </p:spPr>
+        <p:txBody>
+          <a:bodyPr anchor="ctr">
             <a:normAutofit/>
           </a:bodyPr>
           <a:lstStyle/>
           <a:p>
-            <a:r>
-              <a:rPr lang="zh-TW" altLang="en-US" b="1" dirty="0">
+            <a:pPr marL="0" indent="0" algn="ctr">
+              <a:buNone/>
+            </a:pPr>
+            <a:r>
+              <a:rPr lang="zh-CN" altLang="en-US" sz="6400" b="1" dirty="0">
+                <a:solidFill>
+                  <a:srgbClr val="000066"/>
+                </a:solidFill>
+                <a:effectLst/>
                 <a:latin typeface="微軟正黑體" pitchFamily="34" charset="-120"/>
                 <a:ea typeface="微軟正黑體" pitchFamily="34" charset="-120"/>
               </a:rPr>
-              <a:t>惟獨敬</a:t>
-            </a:r>
-            <a:r>
-              <a:rPr lang="zh-TW" altLang="en-US" b="1" dirty="0" smtClean="0">
+              <a:t>像那精兵去比</a:t>
+            </a:r>
+            <a:r>
+              <a:rPr lang="zh-CN" altLang="en-US" sz="6400" b="1" dirty="0">
+                <a:solidFill>
+                  <a:srgbClr val="000066"/>
+                </a:solidFill>
+                <a:effectLst/>
                 <a:latin typeface="微軟正黑體" pitchFamily="34" charset="-120"/>
                 <a:ea typeface="微軟正黑體" pitchFamily="34" charset="-120"/>
               </a:rPr>
-              <a:t>虔</a:t>
-            </a:r>
-            <a:endParaRPr lang="zh-TW" altLang="en-US" b="1" dirty="0">
+              <a:t>武   刻</a:t>
+            </a:r>
+            <a:r>
+              <a:rPr lang="zh-CN" altLang="en-US" sz="6400" b="1" dirty="0">
+                <a:solidFill>
+                  <a:srgbClr val="000066"/>
+                </a:solidFill>
+                <a:effectLst/>
+                <a:latin typeface="微軟正黑體" pitchFamily="34" charset="-120"/>
+                <a:ea typeface="微軟正黑體" pitchFamily="34" charset="-120"/>
+              </a:rPr>
+              <a:t>苦與辛</a:t>
+            </a:r>
+            <a:r>
+              <a:rPr lang="zh-CN" altLang="en-US" sz="6400" b="1" dirty="0">
+                <a:solidFill>
+                  <a:srgbClr val="000066"/>
+                </a:solidFill>
+                <a:effectLst/>
+                <a:latin typeface="微軟正黑體" pitchFamily="34" charset="-120"/>
+                <a:ea typeface="微軟正黑體" pitchFamily="34" charset="-120"/>
+              </a:rPr>
+              <a:t>勞</a:t>
+            </a:r>
+            <a:endParaRPr lang="en-US" altLang="zh-CN" sz="6400" b="1" dirty="0">
+              <a:solidFill>
+                <a:srgbClr val="000066"/>
+              </a:solidFill>
+              <a:effectLst/>
               <a:latin typeface="微軟正黑體" pitchFamily="34" charset="-120"/>
               <a:ea typeface="微軟正黑體" pitchFamily="34" charset="-120"/>
             </a:endParaRPr>
           </a:p>
-        </p:txBody>
-      </p:sp>
-      <p:sp>
-        <p:nvSpPr>
-          <p:cNvPr id="3" name="內容版面配置區 2"/>
-          <p:cNvSpPr>
-            <a:spLocks noGrp="1"/>
-          </p:cNvSpPr>
-          <p:nvPr>
-            <p:ph idx="1"/>
-          </p:nvPr>
-        </p:nvSpPr>
-        <p:spPr>
-          <a:xfrm>
-            <a:off x="0" y="1600200"/>
-            <a:ext cx="9144000" cy="4525963"/>
-          </a:xfrm>
-        </p:spPr>
-        <p:txBody>
-          <a:bodyPr>
-            <a:noAutofit/>
-          </a:bodyPr>
-          <a:lstStyle/>
-          <a:p>
-            <a:pPr algn="ctr">
+          <a:p>
+            <a:pPr marL="0" indent="0" algn="ctr">
               <a:buNone/>
             </a:pPr>
             <a:r>
-              <a:rPr lang="zh-TW" altLang="en-US" sz="5400" b="1" dirty="0">
+              <a:rPr lang="zh-CN" altLang="en-US" sz="6400" b="1" dirty="0">
+                <a:solidFill>
+                  <a:srgbClr val="000066"/>
+                </a:solidFill>
+                <a:effectLst/>
                 <a:latin typeface="微軟正黑體" pitchFamily="34" charset="-120"/>
                 <a:ea typeface="微軟正黑體" pitchFamily="34" charset="-120"/>
               </a:rPr>
-              <a:t>好體格之餘   基督我主說</a:t>
-            </a:r>
-            <a:endParaRPr lang="en-US" altLang="zh-TW" sz="5400" b="1" dirty="0">
+              <a:t>要勝過挫敗才得到</a:t>
+            </a:r>
+            <a:endParaRPr lang="en-US" altLang="zh-TW" sz="6400" b="1" dirty="0">
+              <a:solidFill>
+                <a:srgbClr val="000066"/>
+              </a:solidFill>
+              <a:effectLst/>
               <a:latin typeface="微軟正黑體" pitchFamily="34" charset="-120"/>
               <a:ea typeface="微軟正黑體" pitchFamily="34" charset="-120"/>
             </a:endParaRPr>
           </a:p>
-          <a:p>
-            <a:pPr algn="ctr">
-              <a:buNone/>
-            </a:pPr>
-            <a:r>
-              <a:rPr lang="zh-TW" altLang="en-US" sz="5400" b="1" dirty="0">
-                <a:latin typeface="微軟正黑體" pitchFamily="34" charset="-120"/>
-                <a:ea typeface="微軟正黑體" pitchFamily="34" charset="-120"/>
-              </a:rPr>
-              <a:t>惟獨敬虔滿有永生的益處</a:t>
-            </a:r>
-            <a:endParaRPr lang="en-US" altLang="zh-TW" sz="5400" b="1" dirty="0">
-              <a:latin typeface="微軟正黑體" pitchFamily="34" charset="-120"/>
-              <a:ea typeface="微軟正黑體" pitchFamily="34" charset="-120"/>
+        </p:txBody>
+      </p:sp>
+      <p:sp>
+        <p:nvSpPr>
+          <p:cNvPr id="4" name="TextBox 3"/>
+          <p:cNvSpPr txBox="1"/>
+          <p:nvPr/>
+        </p:nvSpPr>
+        <p:spPr>
+          <a:xfrm>
+            <a:off x="0" y="5253203"/>
+            <a:ext cx="12192000" cy="748988"/>
+          </a:xfrm>
+          <a:prstGeom prst="rect">
+            <a:avLst/>
+          </a:prstGeom>
+          <a:noFill/>
+        </p:spPr>
+        <p:txBody>
+          <a:bodyPr wrap="square" rtlCol="0">
+            <a:spAutoFit/>
+          </a:bodyPr>
+          <a:lstStyle/>
+          <a:p>
+            <a:pPr algn="ctr"/>
+            <a:r>
+              <a:rPr lang="en-US" sz="4267" b="1" dirty="0">
+                <a:solidFill>
+                  <a:srgbClr val="000066"/>
+                </a:solidFill>
+                <a:effectLst/>
+                <a:latin typeface="Microsoft JhengHei" panose="020B0604030504040204" pitchFamily="34" charset="-120"/>
+                <a:ea typeface="Microsoft JhengHei" panose="020B0604030504040204" pitchFamily="34" charset="-120"/>
+              </a:rPr>
+              <a:t>( </a:t>
+            </a:r>
+            <a:r>
+              <a:rPr lang="zh-CN" altLang="en-US" sz="4267" b="1" dirty="0">
+                <a:solidFill>
+                  <a:srgbClr val="000066"/>
+                </a:solidFill>
+                <a:effectLst/>
+                <a:latin typeface="Microsoft JhengHei" panose="020B0604030504040204" pitchFamily="34" charset="-120"/>
+                <a:ea typeface="Microsoft JhengHei" panose="020B0604030504040204" pitchFamily="34" charset="-120"/>
+              </a:rPr>
+              <a:t>正</a:t>
+            </a:r>
+            <a:r>
+              <a:rPr lang="en-US" sz="4267" b="1" dirty="0">
+                <a:solidFill>
+                  <a:srgbClr val="000066"/>
+                </a:solidFill>
+                <a:effectLst/>
+                <a:latin typeface="Microsoft JhengHei" panose="020B0604030504040204" pitchFamily="34" charset="-120"/>
+                <a:ea typeface="Microsoft JhengHei" panose="020B0604030504040204" pitchFamily="34" charset="-120"/>
+              </a:rPr>
+              <a:t> )</a:t>
+            </a:r>
+            <a:endParaRPr lang="vi-VN" sz="4267" b="1" dirty="0">
+              <a:solidFill>
+                <a:srgbClr val="000066"/>
+              </a:solidFill>
+              <a:effectLst/>
+              <a:latin typeface="Microsoft JhengHei" panose="020B0604030504040204" pitchFamily="34" charset="-120"/>
+              <a:ea typeface="Microsoft JhengHei" panose="020B0604030504040204" pitchFamily="34" charset="-120"/>
             </a:endParaRPr>
           </a:p>
-          <a:p>
-            <a:pPr algn="ctr">
-              <a:buNone/>
-            </a:pPr>
-            <a:r>
-              <a:rPr lang="zh-TW" altLang="en-US" sz="5400" b="1" dirty="0">
-                <a:latin typeface="微軟正黑體" pitchFamily="34" charset="-120"/>
-                <a:ea typeface="微軟正黑體" pitchFamily="34" charset="-120"/>
-              </a:rPr>
-              <a:t>身心已相連   經得起波折</a:t>
-            </a:r>
-            <a:endParaRPr lang="en-US" altLang="zh-TW" sz="5400" b="1" dirty="0">
-              <a:latin typeface="微軟正黑體" pitchFamily="34" charset="-120"/>
-              <a:ea typeface="微軟正黑體" pitchFamily="34" charset="-120"/>
-            </a:endParaRPr>
-          </a:p>
-          <a:p>
-            <a:pPr algn="ctr">
-              <a:buNone/>
-            </a:pPr>
-            <a:r>
-              <a:rPr lang="zh-TW" altLang="en-US" sz="5400" b="1" dirty="0">
-                <a:latin typeface="微軟正黑體" pitchFamily="34" charset="-120"/>
-                <a:ea typeface="微軟正黑體" pitchFamily="34" charset="-120"/>
-              </a:rPr>
-              <a:t>前路遙遠仍直向標竿去跑</a:t>
-            </a:r>
-            <a:endParaRPr lang="en-US" altLang="zh-TW" sz="5400" b="1" dirty="0">
-              <a:latin typeface="微軟正黑體" pitchFamily="34" charset="-120"/>
-              <a:ea typeface="微軟正黑體" pitchFamily="34" charset="-120"/>
-            </a:endParaRPr>
-          </a:p>
-          <a:p>
-            <a:pPr algn="ctr">
-              <a:buNone/>
-            </a:pPr>
-            <a:r>
-              <a:rPr lang="zh-TW" altLang="en-US" sz="5400" b="1" dirty="0">
-                <a:latin typeface="微軟正黑體" pitchFamily="34" charset="-120"/>
-                <a:ea typeface="微軟正黑體" pitchFamily="34" charset="-120"/>
-              </a:rPr>
-              <a:t>衝線</a:t>
-            </a:r>
-          </a:p>
         </p:txBody>
       </p:sp>
     </p:spTree>
+    <p:extLst>
+      <p:ext uri="{BB962C8B-B14F-4D97-AF65-F5344CB8AC3E}">
+        <p14:creationId xmlns:p14="http://schemas.microsoft.com/office/powerpoint/2010/main" val="3337070912"/>
+      </p:ext>
+    </p:extLst>
   </p:cSld>
   <p:clrMapOvr>
     <a:masterClrMapping/>
   </p:clrMapOvr>
+  <p:timing>
+    <p:tnLst>
+      <p:par>
+        <p:cTn id="1" dur="indefinite" restart="never" nodeType="tmRoot"/>
+      </p:par>
+    </p:tnLst>
+  </p:timing>
+</p:sld>
+</file>
+
+<file path=ppt/slides/slide4.xml><?xml version="1.0" encoding="utf-8"?>
+<p:sld xmlns:a="http://schemas.openxmlformats.org/drawingml/2006/main" xmlns:r="http://schemas.openxmlformats.org/officeDocument/2006/relationships" xmlns:p="http://schemas.openxmlformats.org/presentationml/2006/main">
+  <p:cSld>
+    <p:spTree>
+      <p:nvGrpSpPr>
+        <p:cNvPr id="1" name=""/>
+        <p:cNvGrpSpPr/>
+        <p:nvPr/>
+      </p:nvGrpSpPr>
+      <p:grpSpPr>
+        <a:xfrm>
+          <a:off x="0" y="0"/>
+          <a:ext cx="0" cy="0"/>
+          <a:chOff x="0" y="0"/>
+          <a:chExt cx="0" cy="0"/>
+        </a:xfrm>
+      </p:grpSpPr>
+      <p:sp>
+        <p:nvSpPr>
+          <p:cNvPr id="5" name="內容版面配置區 4"/>
+          <p:cNvSpPr>
+            <a:spLocks noGrp="1"/>
+          </p:cNvSpPr>
+          <p:nvPr>
+            <p:ph idx="1"/>
+          </p:nvPr>
+        </p:nvSpPr>
+        <p:spPr>
+          <a:xfrm>
+            <a:off x="0" y="2084851"/>
+            <a:ext cx="12192000" cy="2404863"/>
+          </a:xfrm>
+        </p:spPr>
+        <p:txBody>
+          <a:bodyPr anchor="ctr">
+            <a:normAutofit/>
+          </a:bodyPr>
+          <a:lstStyle/>
+          <a:p>
+            <a:pPr marL="0" indent="0" algn="ctr">
+              <a:buNone/>
+            </a:pPr>
+            <a:r>
+              <a:rPr lang="zh-CN" altLang="en-US" sz="6400" b="1" dirty="0">
+                <a:solidFill>
+                  <a:srgbClr val="000066"/>
+                </a:solidFill>
+                <a:effectLst/>
+                <a:latin typeface="微軟正黑體" pitchFamily="34" charset="-120"/>
+                <a:ea typeface="微軟正黑體" pitchFamily="34" charset="-120"/>
+              </a:rPr>
+              <a:t>虔誠地步近主永生的跑</a:t>
+            </a:r>
+            <a:r>
+              <a:rPr lang="zh-CN" altLang="en-US" sz="6400" b="1" dirty="0">
+                <a:solidFill>
+                  <a:srgbClr val="000066"/>
+                </a:solidFill>
+                <a:effectLst/>
+                <a:latin typeface="微軟正黑體" pitchFamily="34" charset="-120"/>
+                <a:ea typeface="微軟正黑體" pitchFamily="34" charset="-120"/>
+              </a:rPr>
+              <a:t>道</a:t>
+            </a:r>
+            <a:endParaRPr lang="en-US" altLang="zh-CN" sz="6400" b="1" dirty="0">
+              <a:solidFill>
+                <a:srgbClr val="000066"/>
+              </a:solidFill>
+              <a:effectLst/>
+              <a:latin typeface="微軟正黑體" pitchFamily="34" charset="-120"/>
+              <a:ea typeface="微軟正黑體" pitchFamily="34" charset="-120"/>
+            </a:endParaRPr>
+          </a:p>
+          <a:p>
+            <a:pPr marL="0" indent="0" algn="ctr">
+              <a:buNone/>
+            </a:pPr>
+            <a:r>
+              <a:rPr lang="zh-CN" altLang="en-US" sz="6400" b="1" dirty="0">
+                <a:solidFill>
+                  <a:srgbClr val="000066"/>
+                </a:solidFill>
+                <a:effectLst/>
+                <a:latin typeface="微軟正黑體" pitchFamily="34" charset="-120"/>
+                <a:ea typeface="微軟正黑體" pitchFamily="34" charset="-120"/>
+              </a:rPr>
+              <a:t>常</a:t>
+            </a:r>
+            <a:r>
+              <a:rPr lang="zh-CN" altLang="en-US" sz="6400" b="1" dirty="0">
+                <a:solidFill>
+                  <a:srgbClr val="000066"/>
+                </a:solidFill>
+                <a:effectLst/>
+                <a:latin typeface="微軟正黑體" pitchFamily="34" charset="-120"/>
+                <a:ea typeface="微軟正黑體" pitchFamily="34" charset="-120"/>
+              </a:rPr>
+              <a:t>凝望十架賞賜會得到</a:t>
+            </a:r>
+            <a:endParaRPr lang="en-US" altLang="zh-TW" sz="6400" b="1" dirty="0">
+              <a:solidFill>
+                <a:srgbClr val="000066"/>
+              </a:solidFill>
+              <a:effectLst/>
+              <a:latin typeface="微軟正黑體" pitchFamily="34" charset="-120"/>
+              <a:ea typeface="微軟正黑體" pitchFamily="34" charset="-120"/>
+            </a:endParaRPr>
+          </a:p>
+        </p:txBody>
+      </p:sp>
+      <p:sp>
+        <p:nvSpPr>
+          <p:cNvPr id="4" name="TextBox 3"/>
+          <p:cNvSpPr txBox="1"/>
+          <p:nvPr/>
+        </p:nvSpPr>
+        <p:spPr>
+          <a:xfrm>
+            <a:off x="0" y="5253203"/>
+            <a:ext cx="12192000" cy="748988"/>
+          </a:xfrm>
+          <a:prstGeom prst="rect">
+            <a:avLst/>
+          </a:prstGeom>
+          <a:noFill/>
+        </p:spPr>
+        <p:txBody>
+          <a:bodyPr wrap="square" rtlCol="0">
+            <a:spAutoFit/>
+          </a:bodyPr>
+          <a:lstStyle/>
+          <a:p>
+            <a:pPr algn="ctr"/>
+            <a:r>
+              <a:rPr lang="en-US" sz="4267" b="1" dirty="0">
+                <a:solidFill>
+                  <a:srgbClr val="000066"/>
+                </a:solidFill>
+                <a:effectLst/>
+                <a:latin typeface="Microsoft JhengHei" panose="020B0604030504040204" pitchFamily="34" charset="-120"/>
+                <a:ea typeface="Microsoft JhengHei" panose="020B0604030504040204" pitchFamily="34" charset="-120"/>
+              </a:rPr>
+              <a:t>( </a:t>
+            </a:r>
+            <a:r>
+              <a:rPr lang="zh-CN" altLang="en-US" sz="4267" b="1" dirty="0">
+                <a:solidFill>
+                  <a:srgbClr val="000066"/>
+                </a:solidFill>
+                <a:effectLst/>
+                <a:latin typeface="Microsoft JhengHei" panose="020B0604030504040204" pitchFamily="34" charset="-120"/>
+                <a:ea typeface="Microsoft JhengHei" panose="020B0604030504040204" pitchFamily="34" charset="-120"/>
+              </a:rPr>
+              <a:t>正</a:t>
+            </a:r>
+            <a:r>
+              <a:rPr lang="en-US" sz="4267" b="1" dirty="0">
+                <a:solidFill>
+                  <a:srgbClr val="000066"/>
+                </a:solidFill>
+                <a:effectLst/>
+                <a:latin typeface="Microsoft JhengHei" panose="020B0604030504040204" pitchFamily="34" charset="-120"/>
+                <a:ea typeface="Microsoft JhengHei" panose="020B0604030504040204" pitchFamily="34" charset="-120"/>
+              </a:rPr>
+              <a:t> )</a:t>
+            </a:r>
+            <a:endParaRPr lang="vi-VN" sz="4267" b="1" dirty="0">
+              <a:solidFill>
+                <a:srgbClr val="000066"/>
+              </a:solidFill>
+              <a:effectLst/>
+              <a:latin typeface="Microsoft JhengHei" panose="020B0604030504040204" pitchFamily="34" charset="-120"/>
+              <a:ea typeface="Microsoft JhengHei" panose="020B0604030504040204" pitchFamily="34" charset="-120"/>
+            </a:endParaRPr>
+          </a:p>
+        </p:txBody>
+      </p:sp>
+    </p:spTree>
+    <p:extLst>
+      <p:ext uri="{BB962C8B-B14F-4D97-AF65-F5344CB8AC3E}">
+        <p14:creationId xmlns:p14="http://schemas.microsoft.com/office/powerpoint/2010/main" val="3695858478"/>
+      </p:ext>
+    </p:extLst>
+  </p:cSld>
+  <p:clrMapOvr>
+    <a:masterClrMapping/>
+  </p:clrMapOvr>
+  <p:timing>
+    <p:tnLst>
+      <p:par>
+        <p:cTn id="1" dur="indefinite" restart="never" nodeType="tmRoot"/>
+      </p:par>
+    </p:tnLst>
+  </p:timing>
+</p:sld>
+</file>
+
+<file path=ppt/slides/slide5.xml><?xml version="1.0" encoding="utf-8"?>
+<p:sld xmlns:a="http://schemas.openxmlformats.org/drawingml/2006/main" xmlns:r="http://schemas.openxmlformats.org/officeDocument/2006/relationships" xmlns:p="http://schemas.openxmlformats.org/presentationml/2006/main">
+  <p:cSld>
+    <p:spTree>
+      <p:nvGrpSpPr>
+        <p:cNvPr id="1" name=""/>
+        <p:cNvGrpSpPr/>
+        <p:nvPr/>
+      </p:nvGrpSpPr>
+      <p:grpSpPr>
+        <a:xfrm>
+          <a:off x="0" y="0"/>
+          <a:ext cx="0" cy="0"/>
+          <a:chOff x="0" y="0"/>
+          <a:chExt cx="0" cy="0"/>
+        </a:xfrm>
+      </p:grpSpPr>
+      <p:sp>
+        <p:nvSpPr>
+          <p:cNvPr id="5" name="內容版面配置區 4"/>
+          <p:cNvSpPr>
+            <a:spLocks noGrp="1"/>
+          </p:cNvSpPr>
+          <p:nvPr>
+            <p:ph idx="1"/>
+          </p:nvPr>
+        </p:nvSpPr>
+        <p:spPr>
+          <a:xfrm>
+            <a:off x="0" y="2084851"/>
+            <a:ext cx="12192000" cy="2404863"/>
+          </a:xfrm>
+        </p:spPr>
+        <p:txBody>
+          <a:bodyPr anchor="ctr">
+            <a:normAutofit/>
+          </a:bodyPr>
+          <a:lstStyle/>
+          <a:p>
+            <a:pPr marL="0" indent="0" algn="ctr">
+              <a:buNone/>
+            </a:pPr>
+            <a:r>
+              <a:rPr lang="zh-CN" altLang="en-US" sz="6400" b="1" dirty="0">
+                <a:solidFill>
+                  <a:srgbClr val="000066"/>
+                </a:solidFill>
+                <a:effectLst/>
+                <a:latin typeface="微軟正黑體" pitchFamily="34" charset="-120"/>
+                <a:ea typeface="微軟正黑體" pitchFamily="34" charset="-120"/>
+              </a:rPr>
+              <a:t>藉信心一點不</a:t>
+            </a:r>
+            <a:r>
+              <a:rPr lang="zh-CN" altLang="en-US" sz="6400" b="1" dirty="0">
+                <a:solidFill>
+                  <a:srgbClr val="000066"/>
+                </a:solidFill>
+                <a:effectLst/>
+                <a:latin typeface="微軟正黑體" pitchFamily="34" charset="-120"/>
+                <a:ea typeface="微軟正黑體" pitchFamily="34" charset="-120"/>
+              </a:rPr>
+              <a:t>退</a:t>
+            </a:r>
+            <a:r>
+              <a:rPr lang="zh-CN" altLang="en-US" sz="6400" b="1" dirty="0">
+                <a:solidFill>
+                  <a:srgbClr val="000066"/>
+                </a:solidFill>
+                <a:effectLst/>
+                <a:latin typeface="微軟正黑體" pitchFamily="34" charset="-120"/>
+                <a:ea typeface="微軟正黑體" pitchFamily="34" charset="-120"/>
+              </a:rPr>
+              <a:t> </a:t>
+            </a:r>
+            <a:r>
+              <a:rPr lang="zh-CN" altLang="en-US" sz="6400" b="1" dirty="0">
+                <a:solidFill>
+                  <a:srgbClr val="000066"/>
+                </a:solidFill>
+                <a:effectLst/>
+                <a:latin typeface="微軟正黑體" pitchFamily="34" charset="-120"/>
+                <a:ea typeface="微軟正黑體" pitchFamily="34" charset="-120"/>
+              </a:rPr>
+              <a:t>  神</a:t>
+            </a:r>
+            <a:r>
+              <a:rPr lang="zh-CN" altLang="en-US" sz="6400" b="1" dirty="0">
+                <a:solidFill>
+                  <a:srgbClr val="000066"/>
+                </a:solidFill>
+                <a:effectLst/>
+                <a:latin typeface="微軟正黑體" pitchFamily="34" charset="-120"/>
+                <a:ea typeface="微軟正黑體" pitchFamily="34" charset="-120"/>
+              </a:rPr>
+              <a:t>話於心</a:t>
+            </a:r>
+            <a:r>
+              <a:rPr lang="zh-CN" altLang="en-US" sz="6400" b="1" dirty="0">
+                <a:solidFill>
+                  <a:srgbClr val="000066"/>
+                </a:solidFill>
+                <a:effectLst/>
+                <a:latin typeface="微軟正黑體" pitchFamily="34" charset="-120"/>
+                <a:ea typeface="微軟正黑體" pitchFamily="34" charset="-120"/>
+              </a:rPr>
+              <a:t>裡</a:t>
+            </a:r>
+            <a:endParaRPr lang="en-US" altLang="zh-CN" sz="6400" b="1" dirty="0">
+              <a:solidFill>
+                <a:srgbClr val="000066"/>
+              </a:solidFill>
+              <a:effectLst/>
+              <a:latin typeface="微軟正黑體" pitchFamily="34" charset="-120"/>
+              <a:ea typeface="微軟正黑體" pitchFamily="34" charset="-120"/>
+            </a:endParaRPr>
+          </a:p>
+          <a:p>
+            <a:pPr marL="0" indent="0" algn="ctr">
+              <a:buNone/>
+            </a:pPr>
+            <a:r>
+              <a:rPr lang="zh-CN" altLang="en-US" sz="6400" b="1" dirty="0">
+                <a:solidFill>
+                  <a:srgbClr val="000066"/>
+                </a:solidFill>
+                <a:effectLst/>
+                <a:latin typeface="微軟正黑體" pitchFamily="34" charset="-120"/>
+                <a:ea typeface="微軟正黑體" pitchFamily="34" charset="-120"/>
+              </a:rPr>
+              <a:t>今</a:t>
+            </a:r>
+            <a:r>
+              <a:rPr lang="zh-CN" altLang="en-US" sz="6400" b="1" dirty="0">
+                <a:solidFill>
+                  <a:srgbClr val="000066"/>
+                </a:solidFill>
+                <a:effectLst/>
+                <a:latin typeface="微軟正黑體" pitchFamily="34" charset="-120"/>
+                <a:ea typeface="微軟正黑體" pitchFamily="34" charset="-120"/>
+              </a:rPr>
+              <a:t>生和來世有救主的應許</a:t>
+            </a:r>
+            <a:endParaRPr lang="en-US" altLang="zh-TW" sz="6400" b="1" dirty="0">
+              <a:solidFill>
+                <a:srgbClr val="000066"/>
+              </a:solidFill>
+              <a:effectLst/>
+              <a:latin typeface="微軟正黑體" pitchFamily="34" charset="-120"/>
+              <a:ea typeface="微軟正黑體" pitchFamily="34" charset="-120"/>
+            </a:endParaRPr>
+          </a:p>
+        </p:txBody>
+      </p:sp>
+      <p:sp>
+        <p:nvSpPr>
+          <p:cNvPr id="4" name="TextBox 3"/>
+          <p:cNvSpPr txBox="1"/>
+          <p:nvPr/>
+        </p:nvSpPr>
+        <p:spPr>
+          <a:xfrm>
+            <a:off x="0" y="5253203"/>
+            <a:ext cx="12192000" cy="748988"/>
+          </a:xfrm>
+          <a:prstGeom prst="rect">
+            <a:avLst/>
+          </a:prstGeom>
+          <a:noFill/>
+        </p:spPr>
+        <p:txBody>
+          <a:bodyPr wrap="square" rtlCol="0">
+            <a:spAutoFit/>
+          </a:bodyPr>
+          <a:lstStyle/>
+          <a:p>
+            <a:pPr algn="ctr"/>
+            <a:r>
+              <a:rPr lang="en-US" sz="4267" b="1" dirty="0">
+                <a:solidFill>
+                  <a:srgbClr val="000066"/>
+                </a:solidFill>
+                <a:effectLst/>
+                <a:latin typeface="Microsoft JhengHei" panose="020B0604030504040204" pitchFamily="34" charset="-120"/>
+                <a:ea typeface="Microsoft JhengHei" panose="020B0604030504040204" pitchFamily="34" charset="-120"/>
+              </a:rPr>
+              <a:t>( </a:t>
+            </a:r>
+            <a:r>
+              <a:rPr lang="zh-CN" altLang="en-US" sz="4267" b="1" dirty="0">
+                <a:solidFill>
+                  <a:srgbClr val="000066"/>
+                </a:solidFill>
+                <a:effectLst/>
+                <a:latin typeface="Microsoft JhengHei" panose="020B0604030504040204" pitchFamily="34" charset="-120"/>
+                <a:ea typeface="Microsoft JhengHei" panose="020B0604030504040204" pitchFamily="34" charset="-120"/>
+              </a:rPr>
+              <a:t>正</a:t>
+            </a:r>
+            <a:r>
+              <a:rPr lang="en-US" sz="4267" b="1" dirty="0">
+                <a:solidFill>
+                  <a:srgbClr val="000066"/>
+                </a:solidFill>
+                <a:effectLst/>
+                <a:latin typeface="Microsoft JhengHei" panose="020B0604030504040204" pitchFamily="34" charset="-120"/>
+                <a:ea typeface="Microsoft JhengHei" panose="020B0604030504040204" pitchFamily="34" charset="-120"/>
+              </a:rPr>
+              <a:t> )</a:t>
+            </a:r>
+            <a:endParaRPr lang="vi-VN" sz="4267" b="1" dirty="0">
+              <a:solidFill>
+                <a:srgbClr val="000066"/>
+              </a:solidFill>
+              <a:effectLst/>
+              <a:latin typeface="Microsoft JhengHei" panose="020B0604030504040204" pitchFamily="34" charset="-120"/>
+              <a:ea typeface="Microsoft JhengHei" panose="020B0604030504040204" pitchFamily="34" charset="-120"/>
+            </a:endParaRPr>
+          </a:p>
+        </p:txBody>
+      </p:sp>
+    </p:spTree>
+    <p:extLst>
+      <p:ext uri="{BB962C8B-B14F-4D97-AF65-F5344CB8AC3E}">
+        <p14:creationId xmlns:p14="http://schemas.microsoft.com/office/powerpoint/2010/main" val="2125208810"/>
+      </p:ext>
+    </p:extLst>
+  </p:cSld>
+  <p:clrMapOvr>
+    <a:masterClrMapping/>
+  </p:clrMapOvr>
+  <p:timing>
+    <p:tnLst>
+      <p:par>
+        <p:cTn id="1" dur="indefinite" restart="never" nodeType="tmRoot"/>
+      </p:par>
+    </p:tnLst>
+  </p:timing>
+</p:sld>
+</file>
+
+<file path=ppt/slides/slide6.xml><?xml version="1.0" encoding="utf-8"?>
+<p:sld xmlns:a="http://schemas.openxmlformats.org/drawingml/2006/main" xmlns:r="http://schemas.openxmlformats.org/officeDocument/2006/relationships" xmlns:p="http://schemas.openxmlformats.org/presentationml/2006/main">
+  <p:cSld>
+    <p:spTree>
+      <p:nvGrpSpPr>
+        <p:cNvPr id="1" name=""/>
+        <p:cNvGrpSpPr/>
+        <p:nvPr/>
+      </p:nvGrpSpPr>
+      <p:grpSpPr>
+        <a:xfrm>
+          <a:off x="0" y="0"/>
+          <a:ext cx="0" cy="0"/>
+          <a:chOff x="0" y="0"/>
+          <a:chExt cx="0" cy="0"/>
+        </a:xfrm>
+      </p:grpSpPr>
+      <p:sp>
+        <p:nvSpPr>
+          <p:cNvPr id="5" name="內容版面配置區 4"/>
+          <p:cNvSpPr>
+            <a:spLocks noGrp="1"/>
+          </p:cNvSpPr>
+          <p:nvPr>
+            <p:ph idx="1"/>
+          </p:nvPr>
+        </p:nvSpPr>
+        <p:spPr>
+          <a:xfrm>
+            <a:off x="0" y="2084851"/>
+            <a:ext cx="12192000" cy="2404863"/>
+          </a:xfrm>
+        </p:spPr>
+        <p:txBody>
+          <a:bodyPr anchor="ctr">
+            <a:normAutofit/>
+          </a:bodyPr>
+          <a:lstStyle/>
+          <a:p>
+            <a:pPr marL="0" indent="0" algn="ctr">
+              <a:buNone/>
+            </a:pPr>
+            <a:r>
+              <a:rPr lang="zh-CN" altLang="en-US" sz="6400" b="1" dirty="0">
+                <a:solidFill>
+                  <a:srgbClr val="000066"/>
+                </a:solidFill>
+                <a:effectLst/>
+                <a:latin typeface="微軟正黑體" pitchFamily="34" charset="-120"/>
+                <a:ea typeface="微軟正黑體" pitchFamily="34" charset="-120"/>
+              </a:rPr>
+              <a:t>好體格之</a:t>
+            </a:r>
+            <a:r>
+              <a:rPr lang="zh-CN" altLang="en-US" sz="6400" b="1" dirty="0">
+                <a:solidFill>
+                  <a:srgbClr val="000066"/>
+                </a:solidFill>
+                <a:effectLst/>
+                <a:latin typeface="微軟正黑體" pitchFamily="34" charset="-120"/>
+                <a:ea typeface="微軟正黑體" pitchFamily="34" charset="-120"/>
+              </a:rPr>
+              <a:t>餘   基</a:t>
+            </a:r>
+            <a:r>
+              <a:rPr lang="zh-CN" altLang="en-US" sz="6400" b="1" dirty="0">
+                <a:solidFill>
+                  <a:srgbClr val="000066"/>
+                </a:solidFill>
+                <a:effectLst/>
+                <a:latin typeface="微軟正黑體" pitchFamily="34" charset="-120"/>
+                <a:ea typeface="微軟正黑體" pitchFamily="34" charset="-120"/>
+              </a:rPr>
+              <a:t>督我主</a:t>
+            </a:r>
+            <a:r>
+              <a:rPr lang="zh-CN" altLang="en-US" sz="6400" b="1" dirty="0">
+                <a:solidFill>
+                  <a:srgbClr val="000066"/>
+                </a:solidFill>
+                <a:effectLst/>
+                <a:latin typeface="微軟正黑體" pitchFamily="34" charset="-120"/>
+                <a:ea typeface="微軟正黑體" pitchFamily="34" charset="-120"/>
+              </a:rPr>
+              <a:t>說</a:t>
+            </a:r>
+            <a:endParaRPr lang="en-US" altLang="zh-CN" sz="6400" b="1" dirty="0">
+              <a:solidFill>
+                <a:srgbClr val="000066"/>
+              </a:solidFill>
+              <a:effectLst/>
+              <a:latin typeface="微軟正黑體" pitchFamily="34" charset="-120"/>
+              <a:ea typeface="微軟正黑體" pitchFamily="34" charset="-120"/>
+            </a:endParaRPr>
+          </a:p>
+          <a:p>
+            <a:pPr marL="0" indent="0" algn="ctr">
+              <a:buNone/>
+            </a:pPr>
+            <a:r>
+              <a:rPr lang="zh-CN" altLang="en-US" sz="6400" b="1" dirty="0">
+                <a:solidFill>
+                  <a:srgbClr val="000066"/>
+                </a:solidFill>
+                <a:effectLst/>
+                <a:latin typeface="微軟正黑體" pitchFamily="34" charset="-120"/>
+                <a:ea typeface="微軟正黑體" pitchFamily="34" charset="-120"/>
+              </a:rPr>
+              <a:t>惟</a:t>
+            </a:r>
+            <a:r>
+              <a:rPr lang="zh-CN" altLang="en-US" sz="6400" b="1" dirty="0">
+                <a:solidFill>
+                  <a:srgbClr val="000066"/>
+                </a:solidFill>
+                <a:effectLst/>
+                <a:latin typeface="微軟正黑體" pitchFamily="34" charset="-120"/>
+                <a:ea typeface="微軟正黑體" pitchFamily="34" charset="-120"/>
+              </a:rPr>
+              <a:t>獨敬虔滿有永生的益處</a:t>
+            </a:r>
+            <a:endParaRPr lang="en-US" altLang="zh-TW" sz="6400" b="1" dirty="0">
+              <a:solidFill>
+                <a:srgbClr val="000066"/>
+              </a:solidFill>
+              <a:effectLst/>
+              <a:latin typeface="微軟正黑體" pitchFamily="34" charset="-120"/>
+              <a:ea typeface="微軟正黑體" pitchFamily="34" charset="-120"/>
+            </a:endParaRPr>
+          </a:p>
+        </p:txBody>
+      </p:sp>
+      <p:sp>
+        <p:nvSpPr>
+          <p:cNvPr id="4" name="TextBox 3"/>
+          <p:cNvSpPr txBox="1"/>
+          <p:nvPr/>
+        </p:nvSpPr>
+        <p:spPr>
+          <a:xfrm>
+            <a:off x="0" y="5253203"/>
+            <a:ext cx="12192000" cy="748988"/>
+          </a:xfrm>
+          <a:prstGeom prst="rect">
+            <a:avLst/>
+          </a:prstGeom>
+          <a:noFill/>
+        </p:spPr>
+        <p:txBody>
+          <a:bodyPr wrap="square" rtlCol="0">
+            <a:spAutoFit/>
+          </a:bodyPr>
+          <a:lstStyle/>
+          <a:p>
+            <a:pPr algn="ctr"/>
+            <a:r>
+              <a:rPr lang="en-US" sz="4267" b="1" dirty="0">
+                <a:solidFill>
+                  <a:srgbClr val="000066"/>
+                </a:solidFill>
+                <a:effectLst/>
+                <a:latin typeface="Microsoft JhengHei" panose="020B0604030504040204" pitchFamily="34" charset="-120"/>
+                <a:ea typeface="Microsoft JhengHei" panose="020B0604030504040204" pitchFamily="34" charset="-120"/>
+              </a:rPr>
+              <a:t>( </a:t>
+            </a:r>
+            <a:r>
+              <a:rPr lang="zh-CN" altLang="en-US" sz="4267" b="1" dirty="0" smtClean="0">
+                <a:solidFill>
+                  <a:srgbClr val="000066"/>
+                </a:solidFill>
+                <a:effectLst/>
+                <a:latin typeface="Microsoft JhengHei" panose="020B0604030504040204" pitchFamily="34" charset="-120"/>
+                <a:ea typeface="Microsoft JhengHei" panose="020B0604030504040204" pitchFamily="34" charset="-120"/>
+              </a:rPr>
+              <a:t>副</a:t>
+            </a:r>
+            <a:r>
+              <a:rPr lang="en-US" sz="4267" b="1" dirty="0" smtClean="0">
+                <a:solidFill>
+                  <a:srgbClr val="000066"/>
+                </a:solidFill>
+                <a:effectLst/>
+                <a:latin typeface="Microsoft JhengHei" panose="020B0604030504040204" pitchFamily="34" charset="-120"/>
+                <a:ea typeface="Microsoft JhengHei" panose="020B0604030504040204" pitchFamily="34" charset="-120"/>
+              </a:rPr>
+              <a:t> </a:t>
+            </a:r>
+            <a:r>
+              <a:rPr lang="en-US" sz="4267" b="1" dirty="0">
+                <a:solidFill>
+                  <a:srgbClr val="000066"/>
+                </a:solidFill>
+                <a:effectLst/>
+                <a:latin typeface="Microsoft JhengHei" panose="020B0604030504040204" pitchFamily="34" charset="-120"/>
+                <a:ea typeface="Microsoft JhengHei" panose="020B0604030504040204" pitchFamily="34" charset="-120"/>
+              </a:rPr>
+              <a:t>)</a:t>
+            </a:r>
+            <a:endParaRPr lang="vi-VN" sz="4267" b="1" dirty="0">
+              <a:solidFill>
+                <a:srgbClr val="000066"/>
+              </a:solidFill>
+              <a:effectLst/>
+              <a:latin typeface="Microsoft JhengHei" panose="020B0604030504040204" pitchFamily="34" charset="-120"/>
+              <a:ea typeface="Microsoft JhengHei" panose="020B0604030504040204" pitchFamily="34" charset="-120"/>
+            </a:endParaRPr>
+          </a:p>
+        </p:txBody>
+      </p:sp>
+    </p:spTree>
+    <p:extLst>
+      <p:ext uri="{BB962C8B-B14F-4D97-AF65-F5344CB8AC3E}">
+        <p14:creationId xmlns:p14="http://schemas.microsoft.com/office/powerpoint/2010/main" val="3025506926"/>
+      </p:ext>
+    </p:extLst>
+  </p:cSld>
+  <p:clrMapOvr>
+    <a:masterClrMapping/>
+  </p:clrMapOvr>
+  <p:timing>
+    <p:tnLst>
+      <p:par>
+        <p:cTn id="1" dur="indefinite" restart="never" nodeType="tmRoot"/>
+      </p:par>
+    </p:tnLst>
+  </p:timing>
+</p:sld>
+</file>
+
+<file path=ppt/slides/slide7.xml><?xml version="1.0" encoding="utf-8"?>
+<p:sld xmlns:a="http://schemas.openxmlformats.org/drawingml/2006/main" xmlns:r="http://schemas.openxmlformats.org/officeDocument/2006/relationships" xmlns:p="http://schemas.openxmlformats.org/presentationml/2006/main">
+  <p:cSld>
+    <p:spTree>
+      <p:nvGrpSpPr>
+        <p:cNvPr id="1" name=""/>
+        <p:cNvGrpSpPr/>
+        <p:nvPr/>
+      </p:nvGrpSpPr>
+      <p:grpSpPr>
+        <a:xfrm>
+          <a:off x="0" y="0"/>
+          <a:ext cx="0" cy="0"/>
+          <a:chOff x="0" y="0"/>
+          <a:chExt cx="0" cy="0"/>
+        </a:xfrm>
+      </p:grpSpPr>
+      <p:sp>
+        <p:nvSpPr>
+          <p:cNvPr id="5" name="內容版面配置區 4"/>
+          <p:cNvSpPr>
+            <a:spLocks noGrp="1"/>
+          </p:cNvSpPr>
+          <p:nvPr>
+            <p:ph idx="1"/>
+          </p:nvPr>
+        </p:nvSpPr>
+        <p:spPr>
+          <a:xfrm>
+            <a:off x="0" y="2084851"/>
+            <a:ext cx="12192000" cy="2404863"/>
+          </a:xfrm>
+        </p:spPr>
+        <p:txBody>
+          <a:bodyPr anchor="ctr">
+            <a:normAutofit/>
+          </a:bodyPr>
+          <a:lstStyle/>
+          <a:p>
+            <a:pPr marL="0" indent="0" algn="ctr">
+              <a:buNone/>
+            </a:pPr>
+            <a:r>
+              <a:rPr lang="zh-CN" altLang="en-US" sz="6400" b="1" dirty="0">
+                <a:solidFill>
+                  <a:srgbClr val="000066"/>
+                </a:solidFill>
+                <a:effectLst/>
+                <a:latin typeface="微軟正黑體" pitchFamily="34" charset="-120"/>
+                <a:ea typeface="微軟正黑體" pitchFamily="34" charset="-120"/>
+              </a:rPr>
+              <a:t>身心已相</a:t>
+            </a:r>
+            <a:r>
+              <a:rPr lang="zh-CN" altLang="en-US" sz="6400" b="1" dirty="0">
+                <a:solidFill>
+                  <a:srgbClr val="000066"/>
+                </a:solidFill>
+                <a:effectLst/>
+                <a:latin typeface="微軟正黑體" pitchFamily="34" charset="-120"/>
+                <a:ea typeface="微軟正黑體" pitchFamily="34" charset="-120"/>
+              </a:rPr>
+              <a:t>連   經</a:t>
+            </a:r>
+            <a:r>
+              <a:rPr lang="zh-CN" altLang="en-US" sz="6400" b="1" dirty="0">
+                <a:solidFill>
+                  <a:srgbClr val="000066"/>
+                </a:solidFill>
+                <a:effectLst/>
+                <a:latin typeface="微軟正黑體" pitchFamily="34" charset="-120"/>
+                <a:ea typeface="微軟正黑體" pitchFamily="34" charset="-120"/>
+              </a:rPr>
+              <a:t>得起波</a:t>
+            </a:r>
+            <a:r>
+              <a:rPr lang="zh-CN" altLang="en-US" sz="6400" b="1" dirty="0">
+                <a:solidFill>
+                  <a:srgbClr val="000066"/>
+                </a:solidFill>
+                <a:effectLst/>
+                <a:latin typeface="微軟正黑體" pitchFamily="34" charset="-120"/>
+                <a:ea typeface="微軟正黑體" pitchFamily="34" charset="-120"/>
+              </a:rPr>
+              <a:t>折</a:t>
+            </a:r>
+            <a:endParaRPr lang="en-US" altLang="zh-CN" sz="6400" b="1" dirty="0">
+              <a:solidFill>
+                <a:srgbClr val="000066"/>
+              </a:solidFill>
+              <a:effectLst/>
+              <a:latin typeface="微軟正黑體" pitchFamily="34" charset="-120"/>
+              <a:ea typeface="微軟正黑體" pitchFamily="34" charset="-120"/>
+            </a:endParaRPr>
+          </a:p>
+          <a:p>
+            <a:pPr marL="0" indent="0" algn="ctr">
+              <a:buNone/>
+            </a:pPr>
+            <a:r>
+              <a:rPr lang="zh-CN" altLang="en-US" sz="6400" b="1" dirty="0">
+                <a:solidFill>
+                  <a:srgbClr val="000066"/>
+                </a:solidFill>
+                <a:effectLst/>
+                <a:latin typeface="微軟正黑體" pitchFamily="34" charset="-120"/>
+                <a:ea typeface="微軟正黑體" pitchFamily="34" charset="-120"/>
+              </a:rPr>
+              <a:t>前</a:t>
+            </a:r>
+            <a:r>
+              <a:rPr lang="zh-CN" altLang="en-US" sz="6400" b="1" dirty="0">
+                <a:solidFill>
+                  <a:srgbClr val="000066"/>
+                </a:solidFill>
+                <a:effectLst/>
+                <a:latin typeface="微軟正黑體" pitchFamily="34" charset="-120"/>
+                <a:ea typeface="微軟正黑體" pitchFamily="34" charset="-120"/>
+              </a:rPr>
+              <a:t>路遙遠仍直向標竿去跑衝線</a:t>
+            </a:r>
+            <a:endParaRPr lang="en-US" altLang="zh-TW" sz="6400" b="1" dirty="0">
+              <a:solidFill>
+                <a:srgbClr val="000066"/>
+              </a:solidFill>
+              <a:effectLst/>
+              <a:latin typeface="微軟正黑體" pitchFamily="34" charset="-120"/>
+              <a:ea typeface="微軟正黑體" pitchFamily="34" charset="-120"/>
+            </a:endParaRPr>
+          </a:p>
+        </p:txBody>
+      </p:sp>
+      <p:sp>
+        <p:nvSpPr>
+          <p:cNvPr id="4" name="TextBox 3"/>
+          <p:cNvSpPr txBox="1"/>
+          <p:nvPr/>
+        </p:nvSpPr>
+        <p:spPr>
+          <a:xfrm>
+            <a:off x="0" y="5253203"/>
+            <a:ext cx="12192000" cy="748988"/>
+          </a:xfrm>
+          <a:prstGeom prst="rect">
+            <a:avLst/>
+          </a:prstGeom>
+          <a:noFill/>
+        </p:spPr>
+        <p:txBody>
+          <a:bodyPr wrap="square" rtlCol="0">
+            <a:spAutoFit/>
+          </a:bodyPr>
+          <a:lstStyle/>
+          <a:p>
+            <a:pPr algn="ctr"/>
+            <a:r>
+              <a:rPr lang="en-US" sz="4267" b="1" dirty="0">
+                <a:solidFill>
+                  <a:srgbClr val="000066"/>
+                </a:solidFill>
+                <a:effectLst/>
+                <a:latin typeface="Microsoft JhengHei" panose="020B0604030504040204" pitchFamily="34" charset="-120"/>
+                <a:ea typeface="Microsoft JhengHei" panose="020B0604030504040204" pitchFamily="34" charset="-120"/>
+              </a:rPr>
+              <a:t>( </a:t>
+            </a:r>
+            <a:r>
+              <a:rPr lang="zh-CN" altLang="en-US" sz="4267" b="1" dirty="0" smtClean="0">
+                <a:solidFill>
+                  <a:srgbClr val="000066"/>
+                </a:solidFill>
+                <a:effectLst/>
+                <a:latin typeface="Microsoft JhengHei" panose="020B0604030504040204" pitchFamily="34" charset="-120"/>
+                <a:ea typeface="Microsoft JhengHei" panose="020B0604030504040204" pitchFamily="34" charset="-120"/>
+              </a:rPr>
+              <a:t>副</a:t>
+            </a:r>
+            <a:r>
+              <a:rPr lang="en-US" sz="4267" b="1" dirty="0" smtClean="0">
+                <a:solidFill>
+                  <a:srgbClr val="000066"/>
+                </a:solidFill>
+                <a:effectLst/>
+                <a:latin typeface="Microsoft JhengHei" panose="020B0604030504040204" pitchFamily="34" charset="-120"/>
+                <a:ea typeface="Microsoft JhengHei" panose="020B0604030504040204" pitchFamily="34" charset="-120"/>
+              </a:rPr>
+              <a:t> </a:t>
+            </a:r>
+            <a:r>
+              <a:rPr lang="en-US" sz="4267" b="1" dirty="0">
+                <a:solidFill>
+                  <a:srgbClr val="000066"/>
+                </a:solidFill>
+                <a:effectLst/>
+                <a:latin typeface="Microsoft JhengHei" panose="020B0604030504040204" pitchFamily="34" charset="-120"/>
+                <a:ea typeface="Microsoft JhengHei" panose="020B0604030504040204" pitchFamily="34" charset="-120"/>
+              </a:rPr>
+              <a:t>)</a:t>
+            </a:r>
+            <a:endParaRPr lang="vi-VN" sz="4267" b="1" dirty="0">
+              <a:solidFill>
+                <a:srgbClr val="000066"/>
+              </a:solidFill>
+              <a:effectLst/>
+              <a:latin typeface="Microsoft JhengHei" panose="020B0604030504040204" pitchFamily="34" charset="-120"/>
+              <a:ea typeface="Microsoft JhengHei" panose="020B0604030504040204" pitchFamily="34" charset="-120"/>
+            </a:endParaRPr>
+          </a:p>
+        </p:txBody>
+      </p:sp>
+    </p:spTree>
+    <p:extLst>
+      <p:ext uri="{BB962C8B-B14F-4D97-AF65-F5344CB8AC3E}">
+        <p14:creationId xmlns:p14="http://schemas.microsoft.com/office/powerpoint/2010/main" val="4150889795"/>
+      </p:ext>
+    </p:extLst>
+  </p:cSld>
+  <p:clrMapOvr>
+    <a:masterClrMapping/>
+  </p:clrMapOvr>
+  <p:timing>
+    <p:tnLst>
+      <p:par>
+        <p:cTn id="1" dur="indefinite" restart="never" nodeType="tmRoot"/>
+      </p:par>
+    </p:tnLst>
+  </p:timing>
 </p:sld>
 </file>
 
 <file path=ppt/theme/theme1.xml><?xml version="1.0" encoding="utf-8"?>
-<a:theme xmlns:a="http://schemas.openxmlformats.org/drawingml/2006/main" name="Office 佈景主題">
+<a:theme xmlns:a="http://schemas.openxmlformats.org/drawingml/2006/main" name="Theme1">
   <a:themeElements>
     <a:clrScheme name="Office">
       <a:dk1>
@@ -3842,5 +4790,10 @@
   </a:themeElements>
   <a:objectDefaults/>
   <a:extraClrSchemeLst/>
+  <a:extLst>
+    <a:ext uri="{05A4C25C-085E-4340-85A3-A5531E510DB2}">
+      <thm15:themeFamily xmlns:thm15="http://schemas.microsoft.com/office/thememl/2012/main" name="Theme1" id="{1A8DE197-990E-4893-BF04-3823FBB50F9A}" vid="{430B7048-5A04-4BDB-939A-C7E865DB887B}"/>
+    </a:ext>
+  </a:extLst>
 </a:theme>
 </file>